--- a/device_driver/alsa/report/audio.pptx
+++ b/device_driver/alsa/report/audio.pptx
@@ -8,37 +8,40 @@
     <p:sldId id="256" r:id="rId2"/>
     <p:sldId id="257" r:id="rId3"/>
     <p:sldId id="267" r:id="rId4"/>
-    <p:sldId id="258" r:id="rId5"/>
-    <p:sldId id="285" r:id="rId6"/>
-    <p:sldId id="266" r:id="rId7"/>
-    <p:sldId id="265" r:id="rId8"/>
-    <p:sldId id="259" r:id="rId9"/>
-    <p:sldId id="268" r:id="rId10"/>
-    <p:sldId id="269" r:id="rId11"/>
-    <p:sldId id="270" r:id="rId12"/>
-    <p:sldId id="260" r:id="rId13"/>
-    <p:sldId id="271" r:id="rId14"/>
-    <p:sldId id="272" r:id="rId15"/>
-    <p:sldId id="273" r:id="rId16"/>
-    <p:sldId id="274" r:id="rId17"/>
-    <p:sldId id="275" r:id="rId18"/>
-    <p:sldId id="276" r:id="rId19"/>
-    <p:sldId id="277" r:id="rId20"/>
-    <p:sldId id="278" r:id="rId21"/>
-    <p:sldId id="279" r:id="rId22"/>
-    <p:sldId id="261" r:id="rId23"/>
-    <p:sldId id="286" r:id="rId24"/>
-    <p:sldId id="288" r:id="rId25"/>
-    <p:sldId id="289" r:id="rId26"/>
-    <p:sldId id="281" r:id="rId27"/>
-    <p:sldId id="282" r:id="rId28"/>
-    <p:sldId id="287" r:id="rId29"/>
-    <p:sldId id="283" r:id="rId30"/>
-    <p:sldId id="290" r:id="rId31"/>
-    <p:sldId id="284" r:id="rId32"/>
-    <p:sldId id="262" r:id="rId33"/>
-    <p:sldId id="263" r:id="rId34"/>
-    <p:sldId id="264" r:id="rId35"/>
+    <p:sldId id="292" r:id="rId5"/>
+    <p:sldId id="258" r:id="rId6"/>
+    <p:sldId id="285" r:id="rId7"/>
+    <p:sldId id="266" r:id="rId8"/>
+    <p:sldId id="265" r:id="rId9"/>
+    <p:sldId id="291" r:id="rId10"/>
+    <p:sldId id="259" r:id="rId11"/>
+    <p:sldId id="268" r:id="rId12"/>
+    <p:sldId id="269" r:id="rId13"/>
+    <p:sldId id="270" r:id="rId14"/>
+    <p:sldId id="260" r:id="rId15"/>
+    <p:sldId id="271" r:id="rId16"/>
+    <p:sldId id="272" r:id="rId17"/>
+    <p:sldId id="273" r:id="rId18"/>
+    <p:sldId id="274" r:id="rId19"/>
+    <p:sldId id="275" r:id="rId20"/>
+    <p:sldId id="276" r:id="rId21"/>
+    <p:sldId id="277" r:id="rId22"/>
+    <p:sldId id="278" r:id="rId23"/>
+    <p:sldId id="279" r:id="rId24"/>
+    <p:sldId id="261" r:id="rId25"/>
+    <p:sldId id="293" r:id="rId26"/>
+    <p:sldId id="286" r:id="rId27"/>
+    <p:sldId id="288" r:id="rId28"/>
+    <p:sldId id="289" r:id="rId29"/>
+    <p:sldId id="281" r:id="rId30"/>
+    <p:sldId id="282" r:id="rId31"/>
+    <p:sldId id="287" r:id="rId32"/>
+    <p:sldId id="283" r:id="rId33"/>
+    <p:sldId id="290" r:id="rId34"/>
+    <p:sldId id="284" r:id="rId35"/>
+    <p:sldId id="262" r:id="rId36"/>
+    <p:sldId id="263" r:id="rId37"/>
+    <p:sldId id="264" r:id="rId38"/>
   </p:sldIdLst>
   <p:sldSz cx="12192000" cy="6858000"/>
   <p:notesSz cx="6858000" cy="9144000"/>
@@ -137,6 +140,11 @@
       </a:defRPr>
     </a:lvl9pPr>
   </p:defaultTextStyle>
+  <p:extLst>
+    <p:ext uri="{EFAFB233-063F-42B5-8137-9DF3F51BA10A}">
+      <p15:sldGuideLst xmlns:p15="http://schemas.microsoft.com/office/powerpoint/2012/main"/>
+    </p:ext>
+  </p:extLst>
 </p:presentation>
 </file>
 
@@ -1061,6 +1069,13 @@
         </dgm:presLayoutVars>
       </dgm:prSet>
       <dgm:spPr/>
+      <dgm:t>
+        <a:bodyPr/>
+        <a:lstStyle/>
+        <a:p>
+          <a:endParaRPr lang="zh-CN" altLang="en-US"/>
+        </a:p>
+      </dgm:t>
     </dgm:pt>
     <dgm:pt modelId="{575FA0ED-B533-491D-979C-7A7A129E9D5C}" type="pres">
       <dgm:prSet presAssocID="{03C54B3E-AB29-407E-8FAB-C20A20D803DD}" presName="parentText" presStyleLbl="node1" presStyleIdx="0" presStyleCnt="2">
@@ -1070,6 +1085,13 @@
         </dgm:presLayoutVars>
       </dgm:prSet>
       <dgm:spPr/>
+      <dgm:t>
+        <a:bodyPr/>
+        <a:lstStyle/>
+        <a:p>
+          <a:endParaRPr lang="zh-CN" altLang="en-US"/>
+        </a:p>
+      </dgm:t>
     </dgm:pt>
     <dgm:pt modelId="{21273E1A-9839-4586-B30A-FF86D51ED5E9}" type="pres">
       <dgm:prSet presAssocID="{03C54B3E-AB29-407E-8FAB-C20A20D803DD}" presName="childText" presStyleLbl="revTx" presStyleIdx="0" presStyleCnt="2">
@@ -1078,6 +1100,13 @@
         </dgm:presLayoutVars>
       </dgm:prSet>
       <dgm:spPr/>
+      <dgm:t>
+        <a:bodyPr/>
+        <a:lstStyle/>
+        <a:p>
+          <a:endParaRPr lang="zh-CN" altLang="en-US"/>
+        </a:p>
+      </dgm:t>
     </dgm:pt>
     <dgm:pt modelId="{C32A0456-1CBC-4963-BECB-E8F058EE2191}" type="pres">
       <dgm:prSet presAssocID="{E96BA27D-56F5-4B8D-BE53-D5E531425B72}" presName="parentText" presStyleLbl="node1" presStyleIdx="1" presStyleCnt="2">
@@ -1087,6 +1116,13 @@
         </dgm:presLayoutVars>
       </dgm:prSet>
       <dgm:spPr/>
+      <dgm:t>
+        <a:bodyPr/>
+        <a:lstStyle/>
+        <a:p>
+          <a:endParaRPr lang="zh-CN" altLang="en-US"/>
+        </a:p>
+      </dgm:t>
     </dgm:pt>
     <dgm:pt modelId="{C2EAA877-D87B-476B-9FBA-770417B2EC8F}" type="pres">
       <dgm:prSet presAssocID="{E96BA27D-56F5-4B8D-BE53-D5E531425B72}" presName="childText" presStyleLbl="revTx" presStyleIdx="1" presStyleCnt="2">
@@ -1095,6 +1131,13 @@
         </dgm:presLayoutVars>
       </dgm:prSet>
       <dgm:spPr/>
+      <dgm:t>
+        <a:bodyPr/>
+        <a:lstStyle/>
+        <a:p>
+          <a:endParaRPr lang="zh-CN" altLang="en-US"/>
+        </a:p>
+      </dgm:t>
     </dgm:pt>
   </dgm:ptLst>
   <dgm:cxnLst>
@@ -1285,7 +1328,7 @@
             </a:spcAft>
             <a:buChar char="••"/>
           </a:pPr>
-          <a:endParaRPr lang="zh-CN" altLang="en-US" sz="4100" kern="1200"/>
+          <a:endParaRPr lang="zh-CN" altLang="en-US" sz="4100" kern="1200" dirty="0"/>
         </a:p>
       </dsp:txBody>
       <dsp:txXfrm>
@@ -1448,7 +1491,7 @@
             </a:spcAft>
             <a:buChar char="••"/>
           </a:pPr>
-          <a:endParaRPr lang="zh-CN" altLang="en-US" sz="4100" kern="1200"/>
+          <a:endParaRPr lang="zh-CN" altLang="en-US" sz="4100" kern="1200" dirty="0"/>
         </a:p>
       </dsp:txBody>
       <dsp:txXfrm>
@@ -2818,7 +2861,7 @@
           <a:p>
             <a:fld id="{69644B6D-CE08-4440-BF66-1FA5CC6BD62E}" type="datetimeFigureOut">
               <a:rPr lang="zh-CN" altLang="en-US" smtClean="0"/>
-              <a:t>2017/9/3</a:t>
+              <a:t>2017/10/22</a:t>
             </a:fld>
             <a:endParaRPr lang="zh-CN" altLang="en-US"/>
           </a:p>
@@ -2988,7 +3031,7 @@
           <a:p>
             <a:fld id="{69644B6D-CE08-4440-BF66-1FA5CC6BD62E}" type="datetimeFigureOut">
               <a:rPr lang="zh-CN" altLang="en-US" smtClean="0"/>
-              <a:t>2017/9/3</a:t>
+              <a:t>2017/10/22</a:t>
             </a:fld>
             <a:endParaRPr lang="zh-CN" altLang="en-US"/>
           </a:p>
@@ -3168,7 +3211,7 @@
           <a:p>
             <a:fld id="{69644B6D-CE08-4440-BF66-1FA5CC6BD62E}" type="datetimeFigureOut">
               <a:rPr lang="zh-CN" altLang="en-US" smtClean="0"/>
-              <a:t>2017/9/3</a:t>
+              <a:t>2017/10/22</a:t>
             </a:fld>
             <a:endParaRPr lang="zh-CN" altLang="en-US"/>
           </a:p>
@@ -3338,7 +3381,7 @@
           <a:p>
             <a:fld id="{69644B6D-CE08-4440-BF66-1FA5CC6BD62E}" type="datetimeFigureOut">
               <a:rPr lang="zh-CN" altLang="en-US" smtClean="0"/>
-              <a:t>2017/9/3</a:t>
+              <a:t>2017/10/22</a:t>
             </a:fld>
             <a:endParaRPr lang="zh-CN" altLang="en-US"/>
           </a:p>
@@ -3584,7 +3627,7 @@
           <a:p>
             <a:fld id="{69644B6D-CE08-4440-BF66-1FA5CC6BD62E}" type="datetimeFigureOut">
               <a:rPr lang="zh-CN" altLang="en-US" smtClean="0"/>
-              <a:t>2017/9/3</a:t>
+              <a:t>2017/10/22</a:t>
             </a:fld>
             <a:endParaRPr lang="zh-CN" altLang="en-US"/>
           </a:p>
@@ -3816,7 +3859,7 @@
           <a:p>
             <a:fld id="{69644B6D-CE08-4440-BF66-1FA5CC6BD62E}" type="datetimeFigureOut">
               <a:rPr lang="zh-CN" altLang="en-US" smtClean="0"/>
-              <a:t>2017/9/3</a:t>
+              <a:t>2017/10/22</a:t>
             </a:fld>
             <a:endParaRPr lang="zh-CN" altLang="en-US"/>
           </a:p>
@@ -4183,7 +4226,7 @@
           <a:p>
             <a:fld id="{69644B6D-CE08-4440-BF66-1FA5CC6BD62E}" type="datetimeFigureOut">
               <a:rPr lang="zh-CN" altLang="en-US" smtClean="0"/>
-              <a:t>2017/9/3</a:t>
+              <a:t>2017/10/22</a:t>
             </a:fld>
             <a:endParaRPr lang="zh-CN" altLang="en-US"/>
           </a:p>
@@ -4301,7 +4344,7 @@
           <a:p>
             <a:fld id="{69644B6D-CE08-4440-BF66-1FA5CC6BD62E}" type="datetimeFigureOut">
               <a:rPr lang="zh-CN" altLang="en-US" smtClean="0"/>
-              <a:t>2017/9/3</a:t>
+              <a:t>2017/10/22</a:t>
             </a:fld>
             <a:endParaRPr lang="zh-CN" altLang="en-US"/>
           </a:p>
@@ -4396,7 +4439,7 @@
           <a:p>
             <a:fld id="{69644B6D-CE08-4440-BF66-1FA5CC6BD62E}" type="datetimeFigureOut">
               <a:rPr lang="zh-CN" altLang="en-US" smtClean="0"/>
-              <a:t>2017/9/3</a:t>
+              <a:t>2017/10/22</a:t>
             </a:fld>
             <a:endParaRPr lang="zh-CN" altLang="en-US"/>
           </a:p>
@@ -4673,7 +4716,7 @@
           <a:p>
             <a:fld id="{69644B6D-CE08-4440-BF66-1FA5CC6BD62E}" type="datetimeFigureOut">
               <a:rPr lang="zh-CN" altLang="en-US" smtClean="0"/>
-              <a:t>2017/9/3</a:t>
+              <a:t>2017/10/22</a:t>
             </a:fld>
             <a:endParaRPr lang="zh-CN" altLang="en-US"/>
           </a:p>
@@ -4930,7 +4973,7 @@
           <a:p>
             <a:fld id="{69644B6D-CE08-4440-BF66-1FA5CC6BD62E}" type="datetimeFigureOut">
               <a:rPr lang="zh-CN" altLang="en-US" smtClean="0"/>
-              <a:t>2017/9/3</a:t>
+              <a:t>2017/10/22</a:t>
             </a:fld>
             <a:endParaRPr lang="zh-CN" altLang="en-US"/>
           </a:p>
@@ -5143,7 +5186,7 @@
           <a:p>
             <a:fld id="{69644B6D-CE08-4440-BF66-1FA5CC6BD62E}" type="datetimeFigureOut">
               <a:rPr lang="zh-CN" altLang="en-US" smtClean="0"/>
-              <a:t>2017/9/3</a:t>
+              <a:t>2017/10/22</a:t>
             </a:fld>
             <a:endParaRPr lang="zh-CN" altLang="en-US"/>
           </a:p>
@@ -5652,35 +5695,90 @@
           <a:p>
             <a:r>
               <a:rPr lang="en-US" altLang="zh-CN" dirty="0" smtClean="0"/>
-              <a:t>SPDIF</a:t>
+              <a:t>Audio</a:t>
+            </a:r>
+            <a:r>
+              <a:rPr lang="zh-CN" altLang="en-US" dirty="0" smtClean="0"/>
+              <a:t>控制器</a:t>
             </a:r>
             <a:endParaRPr lang="zh-CN" altLang="en-US" dirty="0"/>
           </a:p>
         </p:txBody>
       </p:sp>
-      <p:sp>
-        <p:nvSpPr>
-          <p:cNvPr id="3" name="内容占位符 2"/>
-          <p:cNvSpPr>
-            <a:spLocks noGrp="1"/>
-          </p:cNvSpPr>
+      <p:pic>
+        <p:nvPicPr>
+          <p:cNvPr id="4" name="Picture 4"/>
+          <p:cNvPicPr>
+            <a:picLocks noGrp="1" noChangeAspect="1" noChangeArrowheads="1"/>
+          </p:cNvPicPr>
           <p:nvPr>
             <p:ph idx="1"/>
           </p:nvPr>
-        </p:nvSpPr>
-        <p:spPr/>
-        <p:txBody>
-          <a:bodyPr/>
-          <a:lstStyle/>
-          <a:p>
-            <a:endParaRPr lang="zh-CN" altLang="en-US"/>
-          </a:p>
-        </p:txBody>
-      </p:sp>
+        </p:nvPicPr>
+        <p:blipFill>
+          <a:blip r:embed="rId2">
+            <a:extLst>
+              <a:ext uri="{28A0092B-C50C-407E-A947-70E740481C1C}">
+                <a14:useLocalDpi xmlns:a14="http://schemas.microsoft.com/office/drawing/2010/main" val="0"/>
+              </a:ext>
+            </a:extLst>
+          </a:blip>
+          <a:srcRect/>
+          <a:stretch>
+            <a:fillRect/>
+          </a:stretch>
+        </p:blipFill>
+        <p:spPr bwMode="auto">
+          <a:xfrm>
+            <a:off x="1698009" y="1378423"/>
+            <a:ext cx="8511254" cy="4907721"/>
+          </a:xfrm>
+          <a:prstGeom prst="rect">
+            <a:avLst/>
+          </a:prstGeom>
+          <a:noFill/>
+          <a:ln>
+            <a:noFill/>
+          </a:ln>
+          <a:effectLst/>
+          <a:extLst>
+            <a:ext uri="{909E8E84-426E-40DD-AFC4-6F175D3DCCD1}">
+              <a14:hiddenFill xmlns:a14="http://schemas.microsoft.com/office/drawing/2010/main">
+                <a:blipFill dpi="0" rotWithShape="0">
+                  <a:blip/>
+                  <a:srcRect/>
+                  <a:stretch>
+                    <a:fillRect/>
+                  </a:stretch>
+                </a:blipFill>
+              </a14:hiddenFill>
+            </a:ext>
+            <a:ext uri="{91240B29-F687-4F45-9708-019B960494DF}">
+              <a14:hiddenLine xmlns:a14="http://schemas.microsoft.com/office/drawing/2010/main" w="9525">
+                <a:solidFill>
+                  <a:srgbClr val="000000"/>
+                </a:solidFill>
+                <a:miter lim="800000"/>
+                <a:headEnd/>
+                <a:tailEnd/>
+              </a14:hiddenLine>
+            </a:ext>
+            <a:ext uri="{AF507438-7753-43E0-B8FC-AC1667EBCBE1}">
+              <a14:hiddenEffects xmlns:a14="http://schemas.microsoft.com/office/drawing/2010/main">
+                <a:effectLst>
+                  <a:outerShdw dist="35921" dir="2700000" algn="ctr" rotWithShape="0">
+                    <a:srgbClr val="808080"/>
+                  </a:outerShdw>
+                </a:effectLst>
+              </a14:hiddenEffects>
+            </a:ext>
+          </a:extLst>
+        </p:spPr>
+      </p:pic>
     </p:spTree>
     <p:extLst>
       <p:ext uri="{BB962C8B-B14F-4D97-AF65-F5344CB8AC3E}">
-        <p14:creationId xmlns:p14="http://schemas.microsoft.com/office/powerpoint/2010/main" val="1018612702"/>
+        <p14:creationId xmlns:p14="http://schemas.microsoft.com/office/powerpoint/2010/main" val="3615015215"/>
       </p:ext>
     </p:extLst>
   </p:cSld>
@@ -5731,7 +5829,7 @@
           <a:p>
             <a:r>
               <a:rPr lang="en-US" altLang="zh-CN" dirty="0" smtClean="0"/>
-              <a:t>DMIC</a:t>
+              <a:t>BAIC</a:t>
             </a:r>
             <a:endParaRPr lang="zh-CN" altLang="en-US" dirty="0"/>
           </a:p>
@@ -5759,7 +5857,7 @@
     </p:spTree>
     <p:extLst>
       <p:ext uri="{BB962C8B-B14F-4D97-AF65-F5344CB8AC3E}">
-        <p14:creationId xmlns:p14="http://schemas.microsoft.com/office/powerpoint/2010/main" val="1201400366"/>
+        <p14:creationId xmlns:p14="http://schemas.microsoft.com/office/powerpoint/2010/main" val="3791325101"/>
       </p:ext>
     </p:extLst>
   </p:cSld>
@@ -5809,6 +5907,164 @@
           <a:lstStyle/>
           <a:p>
             <a:r>
+              <a:rPr lang="en-US" altLang="zh-CN" dirty="0" smtClean="0"/>
+              <a:t>SPDIF</a:t>
+            </a:r>
+            <a:endParaRPr lang="zh-CN" altLang="en-US" dirty="0"/>
+          </a:p>
+        </p:txBody>
+      </p:sp>
+      <p:sp>
+        <p:nvSpPr>
+          <p:cNvPr id="3" name="内容占位符 2"/>
+          <p:cNvSpPr>
+            <a:spLocks noGrp="1"/>
+          </p:cNvSpPr>
+          <p:nvPr>
+            <p:ph idx="1"/>
+          </p:nvPr>
+        </p:nvSpPr>
+        <p:spPr/>
+        <p:txBody>
+          <a:bodyPr/>
+          <a:lstStyle/>
+          <a:p>
+            <a:endParaRPr lang="zh-CN" altLang="en-US"/>
+          </a:p>
+        </p:txBody>
+      </p:sp>
+    </p:spTree>
+    <p:extLst>
+      <p:ext uri="{BB962C8B-B14F-4D97-AF65-F5344CB8AC3E}">
+        <p14:creationId xmlns:p14="http://schemas.microsoft.com/office/powerpoint/2010/main" val="1018612702"/>
+      </p:ext>
+    </p:extLst>
+  </p:cSld>
+  <p:clrMapOvr>
+    <a:masterClrMapping/>
+  </p:clrMapOvr>
+  <p:timing>
+    <p:tnLst>
+      <p:par>
+        <p:cTn id="1" dur="indefinite" restart="never" nodeType="tmRoot"/>
+      </p:par>
+    </p:tnLst>
+  </p:timing>
+</p:sld>
+</file>
+
+<file path=ppt/slides/slide13.xml><?xml version="1.0" encoding="utf-8"?>
+<p:sld xmlns:a="http://schemas.openxmlformats.org/drawingml/2006/main" xmlns:r="http://schemas.openxmlformats.org/officeDocument/2006/relationships" xmlns:p="http://schemas.openxmlformats.org/presentationml/2006/main">
+  <p:cSld>
+    <p:spTree>
+      <p:nvGrpSpPr>
+        <p:cNvPr id="1" name=""/>
+        <p:cNvGrpSpPr/>
+        <p:nvPr/>
+      </p:nvGrpSpPr>
+      <p:grpSpPr>
+        <a:xfrm>
+          <a:off x="0" y="0"/>
+          <a:ext cx="0" cy="0"/>
+          <a:chOff x="0" y="0"/>
+          <a:chExt cx="0" cy="0"/>
+        </a:xfrm>
+      </p:grpSpPr>
+      <p:sp>
+        <p:nvSpPr>
+          <p:cNvPr id="2" name="标题 1"/>
+          <p:cNvSpPr>
+            <a:spLocks noGrp="1"/>
+          </p:cNvSpPr>
+          <p:nvPr>
+            <p:ph type="title"/>
+          </p:nvPr>
+        </p:nvSpPr>
+        <p:spPr/>
+        <p:txBody>
+          <a:bodyPr/>
+          <a:lstStyle/>
+          <a:p>
+            <a:r>
+              <a:rPr lang="en-US" altLang="zh-CN" dirty="0" smtClean="0"/>
+              <a:t>DMIC</a:t>
+            </a:r>
+            <a:endParaRPr lang="zh-CN" altLang="en-US" dirty="0"/>
+          </a:p>
+        </p:txBody>
+      </p:sp>
+      <p:sp>
+        <p:nvSpPr>
+          <p:cNvPr id="3" name="内容占位符 2"/>
+          <p:cNvSpPr>
+            <a:spLocks noGrp="1"/>
+          </p:cNvSpPr>
+          <p:nvPr>
+            <p:ph idx="1"/>
+          </p:nvPr>
+        </p:nvSpPr>
+        <p:spPr/>
+        <p:txBody>
+          <a:bodyPr/>
+          <a:lstStyle/>
+          <a:p>
+            <a:endParaRPr lang="zh-CN" altLang="en-US"/>
+          </a:p>
+        </p:txBody>
+      </p:sp>
+    </p:spTree>
+    <p:extLst>
+      <p:ext uri="{BB962C8B-B14F-4D97-AF65-F5344CB8AC3E}">
+        <p14:creationId xmlns:p14="http://schemas.microsoft.com/office/powerpoint/2010/main" val="1201400366"/>
+      </p:ext>
+    </p:extLst>
+  </p:cSld>
+  <p:clrMapOvr>
+    <a:masterClrMapping/>
+  </p:clrMapOvr>
+  <p:timing>
+    <p:tnLst>
+      <p:par>
+        <p:cTn id="1" dur="indefinite" restart="never" nodeType="tmRoot"/>
+      </p:par>
+    </p:tnLst>
+  </p:timing>
+</p:sld>
+</file>
+
+<file path=ppt/slides/slide14.xml><?xml version="1.0" encoding="utf-8"?>
+<p:sld xmlns:a="http://schemas.openxmlformats.org/drawingml/2006/main" xmlns:r="http://schemas.openxmlformats.org/officeDocument/2006/relationships" xmlns:p="http://schemas.openxmlformats.org/presentationml/2006/main">
+  <p:cSld>
+    <p:spTree>
+      <p:nvGrpSpPr>
+        <p:cNvPr id="1" name=""/>
+        <p:cNvGrpSpPr/>
+        <p:nvPr/>
+      </p:nvGrpSpPr>
+      <p:grpSpPr>
+        <a:xfrm>
+          <a:off x="0" y="0"/>
+          <a:ext cx="0" cy="0"/>
+          <a:chOff x="0" y="0"/>
+          <a:chExt cx="0" cy="0"/>
+        </a:xfrm>
+      </p:grpSpPr>
+      <p:sp>
+        <p:nvSpPr>
+          <p:cNvPr id="2" name="标题 1"/>
+          <p:cNvSpPr>
+            <a:spLocks noGrp="1"/>
+          </p:cNvSpPr>
+          <p:nvPr>
+            <p:ph type="title"/>
+          </p:nvPr>
+        </p:nvSpPr>
+        <p:spPr/>
+        <p:txBody>
+          <a:bodyPr/>
+          <a:lstStyle/>
+          <a:p>
+            <a:r>
               <a:rPr lang="zh-CN" altLang="en-US" dirty="0" smtClean="0"/>
               <a:t>音频接口协议</a:t>
             </a:r>
@@ -6003,7 +6259,7 @@
 </p:sld>
 </file>
 
-<file path=ppt/slides/slide13.xml><?xml version="1.0" encoding="utf-8"?>
+<file path=ppt/slides/slide15.xml><?xml version="1.0" encoding="utf-8"?>
 <p:sld xmlns:a="http://schemas.openxmlformats.org/drawingml/2006/main" xmlns:r="http://schemas.openxmlformats.org/officeDocument/2006/relationships" xmlns:p="http://schemas.openxmlformats.org/presentationml/2006/main">
   <p:cSld>
     <p:spTree>
@@ -6343,7 +6599,7 @@
           <a:graphicData uri="http://schemas.openxmlformats.org/presentationml/2006/ole">
             <mc:AlternateContent xmlns:mc="http://schemas.openxmlformats.org/markup-compatibility/2006">
               <mc:Choice xmlns:v="urn:schemas-microsoft-com:vml" Requires="v">
-                <p:oleObj spid="_x0000_s1040" r:id="rId3" imgW="5886360" imgH="6781680" progId="PBrush">
+                <p:oleObj spid="_x0000_s1047" r:id="rId3" imgW="5886360" imgH="6781680" progId="PBrush">
                   <p:embed/>
                 </p:oleObj>
               </mc:Choice>
@@ -6414,7 +6670,7 @@
 </p:sld>
 </file>
 
-<file path=ppt/slides/slide14.xml><?xml version="1.0" encoding="utf-8"?>
+<file path=ppt/slides/slide16.xml><?xml version="1.0" encoding="utf-8"?>
 <p:sld xmlns:a="http://schemas.openxmlformats.org/drawingml/2006/main" xmlns:r="http://schemas.openxmlformats.org/officeDocument/2006/relationships" xmlns:p="http://schemas.openxmlformats.org/presentationml/2006/main">
   <p:cSld>
     <p:spTree>
@@ -6822,7 +7078,7 @@
 </p:sld>
 </file>
 
-<file path=ppt/slides/slide15.xml><?xml version="1.0" encoding="utf-8"?>
+<file path=ppt/slides/slide17.xml><?xml version="1.0" encoding="utf-8"?>
 <p:sld xmlns:a="http://schemas.openxmlformats.org/drawingml/2006/main" xmlns:r="http://schemas.openxmlformats.org/officeDocument/2006/relationships" xmlns:p="http://schemas.openxmlformats.org/presentationml/2006/main">
   <p:cSld>
     <p:spTree>
@@ -7230,7 +7486,7 @@
 </p:sld>
 </file>
 
-<file path=ppt/slides/slide16.xml><?xml version="1.0" encoding="utf-8"?>
+<file path=ppt/slides/slide18.xml><?xml version="1.0" encoding="utf-8"?>
 <p:sld xmlns:a="http://schemas.openxmlformats.org/drawingml/2006/main" xmlns:r="http://schemas.openxmlformats.org/officeDocument/2006/relationships" xmlns:p="http://schemas.openxmlformats.org/presentationml/2006/main">
   <p:cSld>
     <p:spTree>
@@ -7638,7 +7894,7 @@
 </p:sld>
 </file>
 
-<file path=ppt/slides/slide17.xml><?xml version="1.0" encoding="utf-8"?>
+<file path=ppt/slides/slide19.xml><?xml version="1.0" encoding="utf-8"?>
 <p:sld xmlns:a="http://schemas.openxmlformats.org/drawingml/2006/main" xmlns:r="http://schemas.openxmlformats.org/officeDocument/2006/relationships" xmlns:p="http://schemas.openxmlformats.org/presentationml/2006/main">
   <p:cSld>
     <p:spTree>
@@ -8046,7 +8302,274 @@
 </p:sld>
 </file>
 
-<file path=ppt/slides/slide18.xml><?xml version="1.0" encoding="utf-8"?>
+<file path=ppt/slides/slide2.xml><?xml version="1.0" encoding="utf-8"?>
+<p:sld xmlns:a="http://schemas.openxmlformats.org/drawingml/2006/main" xmlns:r="http://schemas.openxmlformats.org/officeDocument/2006/relationships" xmlns:p="http://schemas.openxmlformats.org/presentationml/2006/main">
+  <p:cSld>
+    <p:spTree>
+      <p:nvGrpSpPr>
+        <p:cNvPr id="1" name=""/>
+        <p:cNvGrpSpPr/>
+        <p:nvPr/>
+      </p:nvGrpSpPr>
+      <p:grpSpPr>
+        <a:xfrm>
+          <a:off x="0" y="0"/>
+          <a:ext cx="0" cy="0"/>
+          <a:chOff x="0" y="0"/>
+          <a:chExt cx="0" cy="0"/>
+        </a:xfrm>
+      </p:grpSpPr>
+      <p:sp>
+        <p:nvSpPr>
+          <p:cNvPr id="11" name="标题 10"/>
+          <p:cNvSpPr>
+            <a:spLocks noGrp="1"/>
+          </p:cNvSpPr>
+          <p:nvPr>
+            <p:ph type="title"/>
+          </p:nvPr>
+        </p:nvSpPr>
+        <p:spPr/>
+        <p:txBody>
+          <a:bodyPr/>
+          <a:lstStyle/>
+          <a:p>
+            <a:r>
+              <a:rPr lang="zh-CN" altLang="en-US" dirty="0" smtClean="0"/>
+              <a:t>主要内容：</a:t>
+            </a:r>
+            <a:endParaRPr lang="zh-CN" altLang="en-US" dirty="0"/>
+          </a:p>
+        </p:txBody>
+      </p:sp>
+      <p:sp>
+        <p:nvSpPr>
+          <p:cNvPr id="12" name="内容占位符 11"/>
+          <p:cNvSpPr>
+            <a:spLocks noGrp="1"/>
+          </p:cNvSpPr>
+          <p:nvPr>
+            <p:ph idx="1"/>
+          </p:nvPr>
+        </p:nvSpPr>
+        <p:spPr/>
+        <p:txBody>
+          <a:bodyPr>
+            <a:normAutofit/>
+          </a:bodyPr>
+          <a:lstStyle/>
+          <a:p>
+            <a:pPr lvl="2">
+              <a:buFont typeface="Wingdings" panose="05000000000000000000" pitchFamily="2" charset="2"/>
+              <a:buChar char="Ø"/>
+            </a:pPr>
+            <a:r>
+              <a:rPr lang="zh-CN" altLang="en-US" sz="4000" dirty="0" smtClean="0">
+                <a:latin typeface="+mn-ea"/>
+                <a:cs typeface="Times New Roman" panose="02020603050405020304" pitchFamily="18" charset="0"/>
+              </a:rPr>
+              <a:t>硬件电路</a:t>
+            </a:r>
+            <a:endParaRPr lang="en-US" altLang="zh-CN" sz="4000" dirty="0" smtClean="0">
+              <a:latin typeface="+mn-ea"/>
+              <a:cs typeface="Times New Roman" panose="02020603050405020304" pitchFamily="18" charset="0"/>
+            </a:endParaRPr>
+          </a:p>
+          <a:p>
+            <a:pPr lvl="2">
+              <a:buFont typeface="Wingdings" panose="05000000000000000000" pitchFamily="2" charset="2"/>
+              <a:buChar char="Ø"/>
+            </a:pPr>
+            <a:r>
+              <a:rPr lang="en-US" altLang="zh-CN" sz="4000" dirty="0" smtClean="0">
+                <a:latin typeface="+mn-ea"/>
+                <a:cs typeface="Times New Roman" panose="02020603050405020304" pitchFamily="18" charset="0"/>
+              </a:rPr>
+              <a:t>Audio</a:t>
+            </a:r>
+            <a:r>
+              <a:rPr lang="zh-CN" altLang="en-US" sz="4000" dirty="0" smtClean="0">
+                <a:latin typeface="+mn-ea"/>
+                <a:cs typeface="Times New Roman" panose="02020603050405020304" pitchFamily="18" charset="0"/>
+              </a:rPr>
+              <a:t>控制器（</a:t>
+            </a:r>
+            <a:r>
+              <a:rPr lang="en-US" altLang="zh-CN" sz="4000" dirty="0" smtClean="0">
+                <a:latin typeface="+mn-ea"/>
+                <a:cs typeface="Times New Roman" panose="02020603050405020304" pitchFamily="18" charset="0"/>
+              </a:rPr>
+              <a:t>BAIC</a:t>
+            </a:r>
+            <a:r>
+              <a:rPr lang="zh-CN" altLang="en-US" sz="4000" dirty="0" smtClean="0">
+                <a:latin typeface="+mn-ea"/>
+                <a:cs typeface="Times New Roman" panose="02020603050405020304" pitchFamily="18" charset="0"/>
+              </a:rPr>
+              <a:t>，</a:t>
+            </a:r>
+            <a:r>
+              <a:rPr lang="en-US" altLang="zh-CN" sz="4000" dirty="0" smtClean="0">
+                <a:latin typeface="+mn-ea"/>
+                <a:cs typeface="Times New Roman" panose="02020603050405020304" pitchFamily="18" charset="0"/>
+              </a:rPr>
+              <a:t>SPDIF</a:t>
+            </a:r>
+            <a:r>
+              <a:rPr lang="zh-CN" altLang="en-US" sz="4000" dirty="0" smtClean="0">
+                <a:latin typeface="+mn-ea"/>
+                <a:cs typeface="Times New Roman" panose="02020603050405020304" pitchFamily="18" charset="0"/>
+              </a:rPr>
+              <a:t>，</a:t>
+            </a:r>
+            <a:r>
+              <a:rPr lang="en-US" altLang="zh-CN" sz="4000" dirty="0" smtClean="0">
+                <a:latin typeface="+mn-ea"/>
+                <a:cs typeface="Times New Roman" panose="02020603050405020304" pitchFamily="18" charset="0"/>
+              </a:rPr>
+              <a:t>DMIC</a:t>
+            </a:r>
+            <a:r>
+              <a:rPr lang="zh-CN" altLang="en-US" sz="4000" dirty="0" smtClean="0">
+                <a:latin typeface="+mn-ea"/>
+                <a:cs typeface="Times New Roman" panose="02020603050405020304" pitchFamily="18" charset="0"/>
+              </a:rPr>
+              <a:t>）</a:t>
+            </a:r>
+            <a:endParaRPr lang="en-US" altLang="zh-CN" sz="4000" dirty="0" smtClean="0">
+              <a:latin typeface="+mn-ea"/>
+              <a:cs typeface="Times New Roman" panose="02020603050405020304" pitchFamily="18" charset="0"/>
+            </a:endParaRPr>
+          </a:p>
+          <a:p>
+            <a:pPr lvl="2">
+              <a:buFont typeface="Wingdings" panose="05000000000000000000" pitchFamily="2" charset="2"/>
+              <a:buChar char="Ø"/>
+            </a:pPr>
+            <a:r>
+              <a:rPr lang="zh-CN" altLang="en-US" sz="4000" dirty="0" smtClean="0">
+                <a:latin typeface="+mn-ea"/>
+                <a:cs typeface="Times New Roman" panose="02020603050405020304" pitchFamily="18" charset="0"/>
+              </a:rPr>
+              <a:t>音频接口协议</a:t>
+            </a:r>
+            <a:endParaRPr lang="en-US" altLang="zh-CN" sz="4000" dirty="0" smtClean="0">
+              <a:latin typeface="+mn-ea"/>
+              <a:cs typeface="Times New Roman" panose="02020603050405020304" pitchFamily="18" charset="0"/>
+            </a:endParaRPr>
+          </a:p>
+          <a:p>
+            <a:pPr lvl="2">
+              <a:buFont typeface="Wingdings" panose="05000000000000000000" pitchFamily="2" charset="2"/>
+              <a:buChar char="Ø"/>
+            </a:pPr>
+            <a:r>
+              <a:rPr lang="en-US" altLang="zh-CN" sz="4000" dirty="0" smtClean="0">
+                <a:latin typeface="+mn-ea"/>
+                <a:cs typeface="Times New Roman" panose="02020603050405020304" pitchFamily="18" charset="0"/>
+              </a:rPr>
+              <a:t>ALSA</a:t>
+            </a:r>
+            <a:r>
+              <a:rPr lang="zh-CN" altLang="en-US" sz="4000" dirty="0" smtClean="0">
+                <a:latin typeface="+mn-ea"/>
+                <a:cs typeface="Times New Roman" panose="02020603050405020304" pitchFamily="18" charset="0"/>
+              </a:rPr>
+              <a:t>框架</a:t>
+            </a:r>
+            <a:endParaRPr lang="en-US" altLang="zh-CN" sz="4000" dirty="0" smtClean="0">
+              <a:latin typeface="+mn-ea"/>
+              <a:cs typeface="Times New Roman" panose="02020603050405020304" pitchFamily="18" charset="0"/>
+            </a:endParaRPr>
+          </a:p>
+          <a:p>
+            <a:pPr lvl="2">
+              <a:buFont typeface="Wingdings" panose="05000000000000000000" pitchFamily="2" charset="2"/>
+              <a:buChar char="Ø"/>
+            </a:pPr>
+            <a:r>
+              <a:rPr lang="en-US" altLang="zh-CN" sz="4000" dirty="0" smtClean="0">
+                <a:latin typeface="+mn-ea"/>
+                <a:cs typeface="Times New Roman" panose="02020603050405020304" pitchFamily="18" charset="0"/>
+              </a:rPr>
+              <a:t>DPCM</a:t>
+            </a:r>
+            <a:r>
+              <a:rPr lang="zh-CN" altLang="en-US" sz="4000" dirty="0" smtClean="0">
+                <a:latin typeface="+mn-ea"/>
+                <a:cs typeface="Times New Roman" panose="02020603050405020304" pitchFamily="18" charset="0"/>
+              </a:rPr>
+              <a:t>的工作原理</a:t>
+            </a:r>
+            <a:endParaRPr lang="en-US" altLang="zh-CN" sz="4000" dirty="0" smtClean="0">
+              <a:latin typeface="+mn-ea"/>
+              <a:cs typeface="Times New Roman" panose="02020603050405020304" pitchFamily="18" charset="0"/>
+            </a:endParaRPr>
+          </a:p>
+          <a:p>
+            <a:pPr lvl="2">
+              <a:buFont typeface="Wingdings" panose="05000000000000000000" pitchFamily="2" charset="2"/>
+              <a:buChar char="Ø"/>
+            </a:pPr>
+            <a:r>
+              <a:rPr lang="en-US" altLang="zh-CN" sz="4000" dirty="0" smtClean="0">
+                <a:latin typeface="+mn-ea"/>
+                <a:cs typeface="Times New Roman" panose="02020603050405020304" pitchFamily="18" charset="0"/>
+              </a:rPr>
+              <a:t>Audio2.0</a:t>
+            </a:r>
+            <a:r>
+              <a:rPr lang="zh-CN" altLang="en-US" sz="4000" dirty="0" smtClean="0">
+                <a:latin typeface="+mn-ea"/>
+                <a:cs typeface="Times New Roman" panose="02020603050405020304" pitchFamily="18" charset="0"/>
+              </a:rPr>
+              <a:t>驱动的设计</a:t>
+            </a:r>
+            <a:endParaRPr lang="en-US" altLang="zh-CN" sz="4000" dirty="0" smtClean="0">
+              <a:latin typeface="+mn-ea"/>
+              <a:cs typeface="Times New Roman" panose="02020603050405020304" pitchFamily="18" charset="0"/>
+            </a:endParaRPr>
+          </a:p>
+          <a:p>
+            <a:pPr lvl="2">
+              <a:buFont typeface="Wingdings" panose="05000000000000000000" pitchFamily="2" charset="2"/>
+              <a:buChar char="Ø"/>
+            </a:pPr>
+            <a:r>
+              <a:rPr lang="zh-CN" altLang="en-US" sz="4000" dirty="0" smtClean="0">
+                <a:latin typeface="+mn-ea"/>
+                <a:cs typeface="Times New Roman" panose="02020603050405020304" pitchFamily="18" charset="0"/>
+              </a:rPr>
+              <a:t>驱动的使用方法</a:t>
+            </a:r>
+            <a:endParaRPr lang="zh-CN" altLang="en-US" sz="4000" dirty="0">
+              <a:latin typeface="+mn-ea"/>
+              <a:cs typeface="Times New Roman" panose="02020603050405020304" pitchFamily="18" charset="0"/>
+            </a:endParaRPr>
+          </a:p>
+        </p:txBody>
+      </p:sp>
+    </p:spTree>
+    <p:extLst>
+      <p:ext uri="{BB962C8B-B14F-4D97-AF65-F5344CB8AC3E}">
+        <p14:creationId xmlns:p14="http://schemas.microsoft.com/office/powerpoint/2010/main" val="3441757891"/>
+      </p:ext>
+    </p:extLst>
+  </p:cSld>
+  <p:clrMapOvr>
+    <a:masterClrMapping/>
+  </p:clrMapOvr>
+  <p:timing>
+    <p:tnLst>
+      <p:par>
+        <p:cTn id="1" dur="indefinite" restart="never" nodeType="tmRoot"/>
+      </p:par>
+    </p:tnLst>
+  </p:timing>
+</p:sld>
+</file>
+
+<file path=ppt/slides/slide20.xml><?xml version="1.0" encoding="utf-8"?>
 <p:sld xmlns:a="http://schemas.openxmlformats.org/drawingml/2006/main" xmlns:r="http://schemas.openxmlformats.org/officeDocument/2006/relationships" xmlns:p="http://schemas.openxmlformats.org/presentationml/2006/main">
   <p:cSld>
     <p:spTree>
@@ -8454,7 +8977,7 @@
 </p:sld>
 </file>
 
-<file path=ppt/slides/slide19.xml><?xml version="1.0" encoding="utf-8"?>
+<file path=ppt/slides/slide21.xml><?xml version="1.0" encoding="utf-8"?>
 <p:sld xmlns:a="http://schemas.openxmlformats.org/drawingml/2006/main" xmlns:r="http://schemas.openxmlformats.org/officeDocument/2006/relationships" xmlns:p="http://schemas.openxmlformats.org/presentationml/2006/main">
   <p:cSld>
     <p:spTree>
@@ -8862,274 +9385,7 @@
 </p:sld>
 </file>
 
-<file path=ppt/slides/slide2.xml><?xml version="1.0" encoding="utf-8"?>
-<p:sld xmlns:a="http://schemas.openxmlformats.org/drawingml/2006/main" xmlns:r="http://schemas.openxmlformats.org/officeDocument/2006/relationships" xmlns:p="http://schemas.openxmlformats.org/presentationml/2006/main">
-  <p:cSld>
-    <p:spTree>
-      <p:nvGrpSpPr>
-        <p:cNvPr id="1" name=""/>
-        <p:cNvGrpSpPr/>
-        <p:nvPr/>
-      </p:nvGrpSpPr>
-      <p:grpSpPr>
-        <a:xfrm>
-          <a:off x="0" y="0"/>
-          <a:ext cx="0" cy="0"/>
-          <a:chOff x="0" y="0"/>
-          <a:chExt cx="0" cy="0"/>
-        </a:xfrm>
-      </p:grpSpPr>
-      <p:sp>
-        <p:nvSpPr>
-          <p:cNvPr id="11" name="标题 10"/>
-          <p:cNvSpPr>
-            <a:spLocks noGrp="1"/>
-          </p:cNvSpPr>
-          <p:nvPr>
-            <p:ph type="title"/>
-          </p:nvPr>
-        </p:nvSpPr>
-        <p:spPr/>
-        <p:txBody>
-          <a:bodyPr/>
-          <a:lstStyle/>
-          <a:p>
-            <a:r>
-              <a:rPr lang="zh-CN" altLang="en-US" dirty="0" smtClean="0"/>
-              <a:t>主要内容：</a:t>
-            </a:r>
-            <a:endParaRPr lang="zh-CN" altLang="en-US" dirty="0"/>
-          </a:p>
-        </p:txBody>
-      </p:sp>
-      <p:sp>
-        <p:nvSpPr>
-          <p:cNvPr id="12" name="内容占位符 11"/>
-          <p:cNvSpPr>
-            <a:spLocks noGrp="1"/>
-          </p:cNvSpPr>
-          <p:nvPr>
-            <p:ph idx="1"/>
-          </p:nvPr>
-        </p:nvSpPr>
-        <p:spPr/>
-        <p:txBody>
-          <a:bodyPr>
-            <a:normAutofit/>
-          </a:bodyPr>
-          <a:lstStyle/>
-          <a:p>
-            <a:pPr lvl="2">
-              <a:buFont typeface="Wingdings" panose="05000000000000000000" pitchFamily="2" charset="2"/>
-              <a:buChar char="Ø"/>
-            </a:pPr>
-            <a:r>
-              <a:rPr lang="zh-CN" altLang="en-US" sz="4000" dirty="0" smtClean="0">
-                <a:latin typeface="+mn-ea"/>
-                <a:cs typeface="Times New Roman" panose="02020603050405020304" pitchFamily="18" charset="0"/>
-              </a:rPr>
-              <a:t>硬件电路</a:t>
-            </a:r>
-            <a:endParaRPr lang="en-US" altLang="zh-CN" sz="4000" dirty="0" smtClean="0">
-              <a:latin typeface="+mn-ea"/>
-              <a:cs typeface="Times New Roman" panose="02020603050405020304" pitchFamily="18" charset="0"/>
-            </a:endParaRPr>
-          </a:p>
-          <a:p>
-            <a:pPr lvl="2">
-              <a:buFont typeface="Wingdings" panose="05000000000000000000" pitchFamily="2" charset="2"/>
-              <a:buChar char="Ø"/>
-            </a:pPr>
-            <a:r>
-              <a:rPr lang="en-US" altLang="zh-CN" sz="4000" dirty="0" smtClean="0">
-                <a:latin typeface="+mn-ea"/>
-                <a:cs typeface="Times New Roman" panose="02020603050405020304" pitchFamily="18" charset="0"/>
-              </a:rPr>
-              <a:t>Audio</a:t>
-            </a:r>
-            <a:r>
-              <a:rPr lang="zh-CN" altLang="en-US" sz="4000" dirty="0" smtClean="0">
-                <a:latin typeface="+mn-ea"/>
-                <a:cs typeface="Times New Roman" panose="02020603050405020304" pitchFamily="18" charset="0"/>
-              </a:rPr>
-              <a:t>控制器（</a:t>
-            </a:r>
-            <a:r>
-              <a:rPr lang="en-US" altLang="zh-CN" sz="4000" dirty="0" smtClean="0">
-                <a:latin typeface="+mn-ea"/>
-                <a:cs typeface="Times New Roman" panose="02020603050405020304" pitchFamily="18" charset="0"/>
-              </a:rPr>
-              <a:t>BAIC</a:t>
-            </a:r>
-            <a:r>
-              <a:rPr lang="zh-CN" altLang="en-US" sz="4000" dirty="0" smtClean="0">
-                <a:latin typeface="+mn-ea"/>
-                <a:cs typeface="Times New Roman" panose="02020603050405020304" pitchFamily="18" charset="0"/>
-              </a:rPr>
-              <a:t>，</a:t>
-            </a:r>
-            <a:r>
-              <a:rPr lang="en-US" altLang="zh-CN" sz="4000" dirty="0" smtClean="0">
-                <a:latin typeface="+mn-ea"/>
-                <a:cs typeface="Times New Roman" panose="02020603050405020304" pitchFamily="18" charset="0"/>
-              </a:rPr>
-              <a:t>SPDIF</a:t>
-            </a:r>
-            <a:r>
-              <a:rPr lang="zh-CN" altLang="en-US" sz="4000" dirty="0" smtClean="0">
-                <a:latin typeface="+mn-ea"/>
-                <a:cs typeface="Times New Roman" panose="02020603050405020304" pitchFamily="18" charset="0"/>
-              </a:rPr>
-              <a:t>，</a:t>
-            </a:r>
-            <a:r>
-              <a:rPr lang="en-US" altLang="zh-CN" sz="4000" dirty="0" smtClean="0">
-                <a:latin typeface="+mn-ea"/>
-                <a:cs typeface="Times New Roman" panose="02020603050405020304" pitchFamily="18" charset="0"/>
-              </a:rPr>
-              <a:t>DMIC</a:t>
-            </a:r>
-            <a:r>
-              <a:rPr lang="zh-CN" altLang="en-US" sz="4000" dirty="0" smtClean="0">
-                <a:latin typeface="+mn-ea"/>
-                <a:cs typeface="Times New Roman" panose="02020603050405020304" pitchFamily="18" charset="0"/>
-              </a:rPr>
-              <a:t>）</a:t>
-            </a:r>
-            <a:endParaRPr lang="en-US" altLang="zh-CN" sz="4000" dirty="0" smtClean="0">
-              <a:latin typeface="+mn-ea"/>
-              <a:cs typeface="Times New Roman" panose="02020603050405020304" pitchFamily="18" charset="0"/>
-            </a:endParaRPr>
-          </a:p>
-          <a:p>
-            <a:pPr lvl="2">
-              <a:buFont typeface="Wingdings" panose="05000000000000000000" pitchFamily="2" charset="2"/>
-              <a:buChar char="Ø"/>
-            </a:pPr>
-            <a:r>
-              <a:rPr lang="zh-CN" altLang="en-US" sz="4000" dirty="0" smtClean="0">
-                <a:latin typeface="+mn-ea"/>
-                <a:cs typeface="Times New Roman" panose="02020603050405020304" pitchFamily="18" charset="0"/>
-              </a:rPr>
-              <a:t>音频接口协议</a:t>
-            </a:r>
-            <a:endParaRPr lang="en-US" altLang="zh-CN" sz="4000" dirty="0" smtClean="0">
-              <a:latin typeface="+mn-ea"/>
-              <a:cs typeface="Times New Roman" panose="02020603050405020304" pitchFamily="18" charset="0"/>
-            </a:endParaRPr>
-          </a:p>
-          <a:p>
-            <a:pPr lvl="2">
-              <a:buFont typeface="Wingdings" panose="05000000000000000000" pitchFamily="2" charset="2"/>
-              <a:buChar char="Ø"/>
-            </a:pPr>
-            <a:r>
-              <a:rPr lang="en-US" altLang="zh-CN" sz="4000" dirty="0" smtClean="0">
-                <a:latin typeface="+mn-ea"/>
-                <a:cs typeface="Times New Roman" panose="02020603050405020304" pitchFamily="18" charset="0"/>
-              </a:rPr>
-              <a:t>ALSA</a:t>
-            </a:r>
-            <a:r>
-              <a:rPr lang="zh-CN" altLang="en-US" sz="4000" dirty="0" smtClean="0">
-                <a:latin typeface="+mn-ea"/>
-                <a:cs typeface="Times New Roman" panose="02020603050405020304" pitchFamily="18" charset="0"/>
-              </a:rPr>
-              <a:t>框架</a:t>
-            </a:r>
-            <a:endParaRPr lang="en-US" altLang="zh-CN" sz="4000" dirty="0" smtClean="0">
-              <a:latin typeface="+mn-ea"/>
-              <a:cs typeface="Times New Roman" panose="02020603050405020304" pitchFamily="18" charset="0"/>
-            </a:endParaRPr>
-          </a:p>
-          <a:p>
-            <a:pPr lvl="2">
-              <a:buFont typeface="Wingdings" panose="05000000000000000000" pitchFamily="2" charset="2"/>
-              <a:buChar char="Ø"/>
-            </a:pPr>
-            <a:r>
-              <a:rPr lang="en-US" altLang="zh-CN" sz="4000" dirty="0" smtClean="0">
-                <a:latin typeface="+mn-ea"/>
-                <a:cs typeface="Times New Roman" panose="02020603050405020304" pitchFamily="18" charset="0"/>
-              </a:rPr>
-              <a:t>DPCM</a:t>
-            </a:r>
-            <a:r>
-              <a:rPr lang="zh-CN" altLang="en-US" sz="4000" dirty="0" smtClean="0">
-                <a:latin typeface="+mn-ea"/>
-                <a:cs typeface="Times New Roman" panose="02020603050405020304" pitchFamily="18" charset="0"/>
-              </a:rPr>
-              <a:t>的工作原理</a:t>
-            </a:r>
-            <a:endParaRPr lang="en-US" altLang="zh-CN" sz="4000" dirty="0" smtClean="0">
-              <a:latin typeface="+mn-ea"/>
-              <a:cs typeface="Times New Roman" panose="02020603050405020304" pitchFamily="18" charset="0"/>
-            </a:endParaRPr>
-          </a:p>
-          <a:p>
-            <a:pPr lvl="2">
-              <a:buFont typeface="Wingdings" panose="05000000000000000000" pitchFamily="2" charset="2"/>
-              <a:buChar char="Ø"/>
-            </a:pPr>
-            <a:r>
-              <a:rPr lang="en-US" altLang="zh-CN" sz="4000" dirty="0" smtClean="0">
-                <a:latin typeface="+mn-ea"/>
-                <a:cs typeface="Times New Roman" panose="02020603050405020304" pitchFamily="18" charset="0"/>
-              </a:rPr>
-              <a:t>Audio2.0</a:t>
-            </a:r>
-            <a:r>
-              <a:rPr lang="zh-CN" altLang="en-US" sz="4000" dirty="0" smtClean="0">
-                <a:latin typeface="+mn-ea"/>
-                <a:cs typeface="Times New Roman" panose="02020603050405020304" pitchFamily="18" charset="0"/>
-              </a:rPr>
-              <a:t>驱动的设计</a:t>
-            </a:r>
-            <a:endParaRPr lang="en-US" altLang="zh-CN" sz="4000" dirty="0" smtClean="0">
-              <a:latin typeface="+mn-ea"/>
-              <a:cs typeface="Times New Roman" panose="02020603050405020304" pitchFamily="18" charset="0"/>
-            </a:endParaRPr>
-          </a:p>
-          <a:p>
-            <a:pPr lvl="2">
-              <a:buFont typeface="Wingdings" panose="05000000000000000000" pitchFamily="2" charset="2"/>
-              <a:buChar char="Ø"/>
-            </a:pPr>
-            <a:r>
-              <a:rPr lang="zh-CN" altLang="en-US" sz="4000" dirty="0" smtClean="0">
-                <a:latin typeface="+mn-ea"/>
-                <a:cs typeface="Times New Roman" panose="02020603050405020304" pitchFamily="18" charset="0"/>
-              </a:rPr>
-              <a:t>驱动的使用方法</a:t>
-            </a:r>
-            <a:endParaRPr lang="zh-CN" altLang="en-US" sz="4000" dirty="0">
-              <a:latin typeface="+mn-ea"/>
-              <a:cs typeface="Times New Roman" panose="02020603050405020304" pitchFamily="18" charset="0"/>
-            </a:endParaRPr>
-          </a:p>
-        </p:txBody>
-      </p:sp>
-    </p:spTree>
-    <p:extLst>
-      <p:ext uri="{BB962C8B-B14F-4D97-AF65-F5344CB8AC3E}">
-        <p14:creationId xmlns:p14="http://schemas.microsoft.com/office/powerpoint/2010/main" val="3441757891"/>
-      </p:ext>
-    </p:extLst>
-  </p:cSld>
-  <p:clrMapOvr>
-    <a:masterClrMapping/>
-  </p:clrMapOvr>
-  <p:timing>
-    <p:tnLst>
-      <p:par>
-        <p:cTn id="1" dur="indefinite" restart="never" nodeType="tmRoot"/>
-      </p:par>
-    </p:tnLst>
-  </p:timing>
-</p:sld>
-</file>
-
-<file path=ppt/slides/slide20.xml><?xml version="1.0" encoding="utf-8"?>
+<file path=ppt/slides/slide22.xml><?xml version="1.0" encoding="utf-8"?>
 <p:sld xmlns:a="http://schemas.openxmlformats.org/drawingml/2006/main" xmlns:r="http://schemas.openxmlformats.org/officeDocument/2006/relationships" xmlns:p="http://schemas.openxmlformats.org/presentationml/2006/main">
   <p:cSld>
     <p:spTree>
@@ -9335,7 +9591,7 @@
 </p:sld>
 </file>
 
-<file path=ppt/slides/slide21.xml><?xml version="1.0" encoding="utf-8"?>
+<file path=ppt/slides/slide23.xml><?xml version="1.0" encoding="utf-8"?>
 <p:sld xmlns:a="http://schemas.openxmlformats.org/drawingml/2006/main" xmlns:r="http://schemas.openxmlformats.org/officeDocument/2006/relationships" xmlns:p="http://schemas.openxmlformats.org/presentationml/2006/main">
   <p:cSld>
     <p:spTree>
@@ -9894,7 +10150,7 @@
 </p:sld>
 </file>
 
-<file path=ppt/slides/slide22.xml><?xml version="1.0" encoding="utf-8"?>
+<file path=ppt/slides/slide24.xml><?xml version="1.0" encoding="utf-8"?>
 <p:sld xmlns:a="http://schemas.openxmlformats.org/drawingml/2006/main" xmlns:r="http://schemas.openxmlformats.org/officeDocument/2006/relationships" xmlns:p="http://schemas.openxmlformats.org/presentationml/2006/main">
   <p:cSld>
     <p:spTree>
@@ -9980,7 +10236,79 @@
 </p:sld>
 </file>
 
-<file path=ppt/slides/slide23.xml><?xml version="1.0" encoding="utf-8"?>
+<file path=ppt/slides/slide25.xml><?xml version="1.0" encoding="utf-8"?>
+<p:sld xmlns:a="http://schemas.openxmlformats.org/drawingml/2006/main" xmlns:r="http://schemas.openxmlformats.org/officeDocument/2006/relationships" xmlns:p="http://schemas.openxmlformats.org/presentationml/2006/main">
+  <p:cSld>
+    <p:spTree>
+      <p:nvGrpSpPr>
+        <p:cNvPr id="1" name=""/>
+        <p:cNvGrpSpPr/>
+        <p:nvPr/>
+      </p:nvGrpSpPr>
+      <p:grpSpPr>
+        <a:xfrm>
+          <a:off x="0" y="0"/>
+          <a:ext cx="0" cy="0"/>
+          <a:chOff x="0" y="0"/>
+          <a:chExt cx="0" cy="0"/>
+        </a:xfrm>
+      </p:grpSpPr>
+      <p:sp>
+        <p:nvSpPr>
+          <p:cNvPr id="2" name="标题 1"/>
+          <p:cNvSpPr>
+            <a:spLocks noGrp="1"/>
+          </p:cNvSpPr>
+          <p:nvPr>
+            <p:ph type="title"/>
+          </p:nvPr>
+        </p:nvSpPr>
+        <p:spPr/>
+        <p:txBody>
+          <a:bodyPr/>
+          <a:lstStyle/>
+          <a:p>
+            <a:r>
+              <a:rPr lang="en-US" altLang="zh-CN" dirty="0" smtClean="0"/>
+              <a:t>Create Sound Card</a:t>
+            </a:r>
+            <a:endParaRPr lang="zh-CN" altLang="en-US" dirty="0"/>
+          </a:p>
+        </p:txBody>
+      </p:sp>
+      <p:sp>
+        <p:nvSpPr>
+          <p:cNvPr id="3" name="内容占位符 2"/>
+          <p:cNvSpPr>
+            <a:spLocks noGrp="1"/>
+          </p:cNvSpPr>
+          <p:nvPr>
+            <p:ph idx="1"/>
+          </p:nvPr>
+        </p:nvSpPr>
+        <p:spPr/>
+        <p:txBody>
+          <a:bodyPr/>
+          <a:lstStyle/>
+          <a:p>
+            <a:endParaRPr lang="zh-CN" altLang="en-US" dirty="0"/>
+          </a:p>
+        </p:txBody>
+      </p:sp>
+    </p:spTree>
+    <p:extLst>
+      <p:ext uri="{BB962C8B-B14F-4D97-AF65-F5344CB8AC3E}">
+        <p14:creationId xmlns:p14="http://schemas.microsoft.com/office/powerpoint/2010/main" val="551901009"/>
+      </p:ext>
+    </p:extLst>
+  </p:cSld>
+  <p:clrMapOvr>
+    <a:masterClrMapping/>
+  </p:clrMapOvr>
+</p:sld>
+</file>
+
+<file path=ppt/slides/slide26.xml><?xml version="1.0" encoding="utf-8"?>
 <p:sld xmlns:a="http://schemas.openxmlformats.org/drawingml/2006/main" xmlns:r="http://schemas.openxmlformats.org/officeDocument/2006/relationships" xmlns:p="http://schemas.openxmlformats.org/presentationml/2006/main">
   <p:cSld>
     <p:spTree>
@@ -10043,7 +10371,7 @@
 </p:sld>
 </file>
 
-<file path=ppt/slides/slide24.xml><?xml version="1.0" encoding="utf-8"?>
+<file path=ppt/slides/slide27.xml><?xml version="1.0" encoding="utf-8"?>
 <p:sld xmlns:a="http://schemas.openxmlformats.org/drawingml/2006/main" xmlns:r="http://schemas.openxmlformats.org/officeDocument/2006/relationships" xmlns:p="http://schemas.openxmlformats.org/presentationml/2006/main">
   <p:cSld>
     <p:spTree>
@@ -10558,7 +10886,7 @@
 </p:sld>
 </file>
 
-<file path=ppt/slides/slide25.xml><?xml version="1.0" encoding="utf-8"?>
+<file path=ppt/slides/slide28.xml><?xml version="1.0" encoding="utf-8"?>
 <p:sld xmlns:a="http://schemas.openxmlformats.org/drawingml/2006/main" xmlns:r="http://schemas.openxmlformats.org/officeDocument/2006/relationships" xmlns:p="http://schemas.openxmlformats.org/presentationml/2006/main">
   <p:cSld>
     <p:spTree>
@@ -10637,7 +10965,7 @@
 </p:sld>
 </file>
 
-<file path=ppt/slides/slide26.xml><?xml version="1.0" encoding="utf-8"?>
+<file path=ppt/slides/slide29.xml><?xml version="1.0" encoding="utf-8"?>
 <p:sld xmlns:a="http://schemas.openxmlformats.org/drawingml/2006/main" xmlns:r="http://schemas.openxmlformats.org/officeDocument/2006/relationships" xmlns:p="http://schemas.openxmlformats.org/presentationml/2006/main">
   <p:cSld>
     <p:spTree>
@@ -10815,7 +11143,113 @@
 </p:sld>
 </file>
 
-<file path=ppt/slides/slide27.xml><?xml version="1.0" encoding="utf-8"?>
+<file path=ppt/slides/slide3.xml><?xml version="1.0" encoding="utf-8"?>
+<p:sld xmlns:a="http://schemas.openxmlformats.org/drawingml/2006/main" xmlns:r="http://schemas.openxmlformats.org/officeDocument/2006/relationships" xmlns:p="http://schemas.openxmlformats.org/presentationml/2006/main">
+  <p:cSld>
+    <p:spTree>
+      <p:nvGrpSpPr>
+        <p:cNvPr id="1" name=""/>
+        <p:cNvGrpSpPr/>
+        <p:nvPr/>
+      </p:nvGrpSpPr>
+      <p:grpSpPr>
+        <a:xfrm>
+          <a:off x="0" y="0"/>
+          <a:ext cx="0" cy="0"/>
+          <a:chOff x="0" y="0"/>
+          <a:chExt cx="0" cy="0"/>
+        </a:xfrm>
+      </p:grpSpPr>
+      <p:sp>
+        <p:nvSpPr>
+          <p:cNvPr id="2" name="标题 1"/>
+          <p:cNvSpPr>
+            <a:spLocks noGrp="1"/>
+          </p:cNvSpPr>
+          <p:nvPr>
+            <p:ph type="title"/>
+          </p:nvPr>
+        </p:nvSpPr>
+        <p:spPr/>
+        <p:txBody>
+          <a:bodyPr/>
+          <a:lstStyle/>
+          <a:p>
+            <a:r>
+              <a:rPr lang="zh-CN" altLang="en-US" dirty="0" smtClean="0"/>
+              <a:t>主要参数：</a:t>
+            </a:r>
+            <a:endParaRPr lang="zh-CN" altLang="en-US" dirty="0"/>
+          </a:p>
+        </p:txBody>
+      </p:sp>
+      <p:sp>
+        <p:nvSpPr>
+          <p:cNvPr id="3" name="内容占位符 2"/>
+          <p:cNvSpPr>
+            <a:spLocks noGrp="1"/>
+          </p:cNvSpPr>
+          <p:nvPr>
+            <p:ph idx="1"/>
+          </p:nvPr>
+        </p:nvSpPr>
+        <p:spPr/>
+        <p:txBody>
+          <a:bodyPr/>
+          <a:lstStyle/>
+          <a:p>
+            <a:endParaRPr lang="en-US" altLang="zh-CN" dirty="0" smtClean="0"/>
+          </a:p>
+          <a:p>
+            <a:r>
+              <a:rPr lang="zh-CN" altLang="en-US" dirty="0" smtClean="0"/>
+              <a:t>采样率</a:t>
+            </a:r>
+            <a:endParaRPr lang="en-US" altLang="zh-CN" dirty="0" smtClean="0"/>
+          </a:p>
+          <a:p>
+            <a:endParaRPr lang="en-US" altLang="zh-CN" dirty="0"/>
+          </a:p>
+          <a:p>
+            <a:r>
+              <a:rPr lang="zh-CN" altLang="en-US" dirty="0" smtClean="0"/>
+              <a:t>声道</a:t>
+            </a:r>
+            <a:endParaRPr lang="en-US" altLang="zh-CN" dirty="0" smtClean="0"/>
+          </a:p>
+          <a:p>
+            <a:endParaRPr lang="en-US" altLang="zh-CN" dirty="0"/>
+          </a:p>
+          <a:p>
+            <a:r>
+              <a:rPr lang="zh-CN" altLang="en-US" dirty="0" smtClean="0"/>
+              <a:t>位宽</a:t>
+            </a:r>
+            <a:endParaRPr lang="zh-CN" altLang="en-US" dirty="0"/>
+          </a:p>
+        </p:txBody>
+      </p:sp>
+    </p:spTree>
+    <p:extLst>
+      <p:ext uri="{BB962C8B-B14F-4D97-AF65-F5344CB8AC3E}">
+        <p14:creationId xmlns:p14="http://schemas.microsoft.com/office/powerpoint/2010/main" val="284263846"/>
+      </p:ext>
+    </p:extLst>
+  </p:cSld>
+  <p:clrMapOvr>
+    <a:masterClrMapping/>
+  </p:clrMapOvr>
+  <p:timing>
+    <p:tnLst>
+      <p:par>
+        <p:cTn id="1" dur="indefinite" restart="never" nodeType="tmRoot"/>
+      </p:par>
+    </p:tnLst>
+  </p:timing>
+</p:sld>
+</file>
+
+<file path=ppt/slides/slide30.xml><?xml version="1.0" encoding="utf-8"?>
 <p:sld xmlns:a="http://schemas.openxmlformats.org/drawingml/2006/main" xmlns:r="http://schemas.openxmlformats.org/officeDocument/2006/relationships" xmlns:p="http://schemas.openxmlformats.org/presentationml/2006/main">
   <p:cSld>
     <p:spTree>
@@ -10894,7 +11328,7 @@
 </p:sld>
 </file>
 
-<file path=ppt/slides/slide28.xml><?xml version="1.0" encoding="utf-8"?>
+<file path=ppt/slides/slide31.xml><?xml version="1.0" encoding="utf-8"?>
 <p:sld xmlns:a="http://schemas.openxmlformats.org/drawingml/2006/main" xmlns:r="http://schemas.openxmlformats.org/officeDocument/2006/relationships" xmlns:p="http://schemas.openxmlformats.org/presentationml/2006/main">
   <p:cSld>
     <p:spTree>
@@ -10991,349 +11425,6 @@
 </p:sld>
 </file>
 
-<file path=ppt/slides/slide29.xml><?xml version="1.0" encoding="utf-8"?>
-<p:sld xmlns:a="http://schemas.openxmlformats.org/drawingml/2006/main" xmlns:r="http://schemas.openxmlformats.org/officeDocument/2006/relationships" xmlns:p="http://schemas.openxmlformats.org/presentationml/2006/main">
-  <p:cSld>
-    <p:spTree>
-      <p:nvGrpSpPr>
-        <p:cNvPr id="1" name=""/>
-        <p:cNvGrpSpPr/>
-        <p:nvPr/>
-      </p:nvGrpSpPr>
-      <p:grpSpPr>
-        <a:xfrm>
-          <a:off x="0" y="0"/>
-          <a:ext cx="0" cy="0"/>
-          <a:chOff x="0" y="0"/>
-          <a:chExt cx="0" cy="0"/>
-        </a:xfrm>
-      </p:grpSpPr>
-      <p:sp>
-        <p:nvSpPr>
-          <p:cNvPr id="2" name="标题 1"/>
-          <p:cNvSpPr>
-            <a:spLocks noGrp="1"/>
-          </p:cNvSpPr>
-          <p:nvPr>
-            <p:ph type="title"/>
-          </p:nvPr>
-        </p:nvSpPr>
-        <p:spPr/>
-        <p:txBody>
-          <a:bodyPr/>
-          <a:lstStyle/>
-          <a:p>
-            <a:r>
-              <a:rPr lang="zh-CN" altLang="en-US" dirty="0" smtClean="0"/>
-              <a:t>注册：</a:t>
-            </a:r>
-            <a:endParaRPr lang="zh-CN" altLang="en-US" dirty="0"/>
-          </a:p>
-        </p:txBody>
-      </p:sp>
-      <p:sp>
-        <p:nvSpPr>
-          <p:cNvPr id="3" name="内容占位符 2"/>
-          <p:cNvSpPr>
-            <a:spLocks noGrp="1"/>
-          </p:cNvSpPr>
-          <p:nvPr>
-            <p:ph idx="1"/>
-          </p:nvPr>
-        </p:nvSpPr>
-        <p:spPr/>
-        <p:txBody>
-          <a:bodyPr/>
-          <a:lstStyle/>
-          <a:p>
-            <a:endParaRPr lang="zh-CN" altLang="en-US"/>
-          </a:p>
-        </p:txBody>
-      </p:sp>
-    </p:spTree>
-    <p:extLst>
-      <p:ext uri="{BB962C8B-B14F-4D97-AF65-F5344CB8AC3E}">
-        <p14:creationId xmlns:p14="http://schemas.microsoft.com/office/powerpoint/2010/main" val="3044619744"/>
-      </p:ext>
-    </p:extLst>
-  </p:cSld>
-  <p:clrMapOvr>
-    <a:masterClrMapping/>
-  </p:clrMapOvr>
-  <p:timing>
-    <p:tnLst>
-      <p:par>
-        <p:cTn id="1" dur="indefinite" restart="never" nodeType="tmRoot"/>
-      </p:par>
-    </p:tnLst>
-  </p:timing>
-</p:sld>
-</file>
-
-<file path=ppt/slides/slide3.xml><?xml version="1.0" encoding="utf-8"?>
-<p:sld xmlns:a="http://schemas.openxmlformats.org/drawingml/2006/main" xmlns:r="http://schemas.openxmlformats.org/officeDocument/2006/relationships" xmlns:p="http://schemas.openxmlformats.org/presentationml/2006/main">
-  <p:cSld>
-    <p:spTree>
-      <p:nvGrpSpPr>
-        <p:cNvPr id="1" name=""/>
-        <p:cNvGrpSpPr/>
-        <p:nvPr/>
-      </p:nvGrpSpPr>
-      <p:grpSpPr>
-        <a:xfrm>
-          <a:off x="0" y="0"/>
-          <a:ext cx="0" cy="0"/>
-          <a:chOff x="0" y="0"/>
-          <a:chExt cx="0" cy="0"/>
-        </a:xfrm>
-      </p:grpSpPr>
-      <p:sp>
-        <p:nvSpPr>
-          <p:cNvPr id="2" name="标题 1"/>
-          <p:cNvSpPr>
-            <a:spLocks noGrp="1"/>
-          </p:cNvSpPr>
-          <p:nvPr>
-            <p:ph type="title"/>
-          </p:nvPr>
-        </p:nvSpPr>
-        <p:spPr/>
-        <p:txBody>
-          <a:bodyPr/>
-          <a:lstStyle/>
-          <a:p>
-            <a:r>
-              <a:rPr lang="zh-CN" altLang="en-US" dirty="0" smtClean="0"/>
-              <a:t>主要参数：</a:t>
-            </a:r>
-            <a:endParaRPr lang="zh-CN" altLang="en-US" dirty="0"/>
-          </a:p>
-        </p:txBody>
-      </p:sp>
-      <p:sp>
-        <p:nvSpPr>
-          <p:cNvPr id="3" name="内容占位符 2"/>
-          <p:cNvSpPr>
-            <a:spLocks noGrp="1"/>
-          </p:cNvSpPr>
-          <p:nvPr>
-            <p:ph idx="1"/>
-          </p:nvPr>
-        </p:nvSpPr>
-        <p:spPr/>
-        <p:txBody>
-          <a:bodyPr/>
-          <a:lstStyle/>
-          <a:p>
-            <a:endParaRPr lang="en-US" altLang="zh-CN" dirty="0" smtClean="0"/>
-          </a:p>
-          <a:p>
-            <a:r>
-              <a:rPr lang="zh-CN" altLang="en-US" dirty="0" smtClean="0"/>
-              <a:t>采样率</a:t>
-            </a:r>
-            <a:endParaRPr lang="en-US" altLang="zh-CN" dirty="0" smtClean="0"/>
-          </a:p>
-          <a:p>
-            <a:endParaRPr lang="en-US" altLang="zh-CN" dirty="0"/>
-          </a:p>
-          <a:p>
-            <a:r>
-              <a:rPr lang="zh-CN" altLang="en-US" dirty="0" smtClean="0"/>
-              <a:t>声道</a:t>
-            </a:r>
-            <a:endParaRPr lang="en-US" altLang="zh-CN" dirty="0" smtClean="0"/>
-          </a:p>
-          <a:p>
-            <a:endParaRPr lang="en-US" altLang="zh-CN" dirty="0"/>
-          </a:p>
-          <a:p>
-            <a:r>
-              <a:rPr lang="zh-CN" altLang="en-US" dirty="0" smtClean="0"/>
-              <a:t>位宽</a:t>
-            </a:r>
-            <a:endParaRPr lang="zh-CN" altLang="en-US" dirty="0"/>
-          </a:p>
-        </p:txBody>
-      </p:sp>
-    </p:spTree>
-    <p:extLst>
-      <p:ext uri="{BB962C8B-B14F-4D97-AF65-F5344CB8AC3E}">
-        <p14:creationId xmlns:p14="http://schemas.microsoft.com/office/powerpoint/2010/main" val="284263846"/>
-      </p:ext>
-    </p:extLst>
-  </p:cSld>
-  <p:clrMapOvr>
-    <a:masterClrMapping/>
-  </p:clrMapOvr>
-  <p:timing>
-    <p:tnLst>
-      <p:par>
-        <p:cTn id="1" dur="indefinite" restart="never" nodeType="tmRoot"/>
-      </p:par>
-    </p:tnLst>
-  </p:timing>
-</p:sld>
-</file>
-
-<file path=ppt/slides/slide30.xml><?xml version="1.0" encoding="utf-8"?>
-<p:sld xmlns:a="http://schemas.openxmlformats.org/drawingml/2006/main" xmlns:r="http://schemas.openxmlformats.org/officeDocument/2006/relationships" xmlns:p="http://schemas.openxmlformats.org/presentationml/2006/main">
-  <p:cSld>
-    <p:spTree>
-      <p:nvGrpSpPr>
-        <p:cNvPr id="1" name=""/>
-        <p:cNvGrpSpPr/>
-        <p:nvPr/>
-      </p:nvGrpSpPr>
-      <p:grpSpPr>
-        <a:xfrm>
-          <a:off x="0" y="0"/>
-          <a:ext cx="0" cy="0"/>
-          <a:chOff x="0" y="0"/>
-          <a:chExt cx="0" cy="0"/>
-        </a:xfrm>
-      </p:grpSpPr>
-      <p:sp>
-        <p:nvSpPr>
-          <p:cNvPr id="2" name="标题 1"/>
-          <p:cNvSpPr>
-            <a:spLocks noGrp="1"/>
-          </p:cNvSpPr>
-          <p:nvPr>
-            <p:ph type="title"/>
-          </p:nvPr>
-        </p:nvSpPr>
-        <p:spPr/>
-        <p:txBody>
-          <a:bodyPr/>
-          <a:lstStyle/>
-          <a:p>
-            <a:r>
-              <a:rPr lang="en-US" altLang="zh-CN" dirty="0" smtClean="0"/>
-              <a:t>DAPM</a:t>
-            </a:r>
-            <a:endParaRPr lang="zh-CN" altLang="en-US" dirty="0"/>
-          </a:p>
-        </p:txBody>
-      </p:sp>
-      <p:sp>
-        <p:nvSpPr>
-          <p:cNvPr id="3" name="内容占位符 2"/>
-          <p:cNvSpPr>
-            <a:spLocks noGrp="1"/>
-          </p:cNvSpPr>
-          <p:nvPr>
-            <p:ph idx="1"/>
-          </p:nvPr>
-        </p:nvSpPr>
-        <p:spPr/>
-        <p:txBody>
-          <a:bodyPr/>
-          <a:lstStyle/>
-          <a:p>
-            <a:endParaRPr lang="zh-CN" altLang="en-US"/>
-          </a:p>
-        </p:txBody>
-      </p:sp>
-    </p:spTree>
-    <p:extLst>
-      <p:ext uri="{BB962C8B-B14F-4D97-AF65-F5344CB8AC3E}">
-        <p14:creationId xmlns:p14="http://schemas.microsoft.com/office/powerpoint/2010/main" val="2165725659"/>
-      </p:ext>
-    </p:extLst>
-  </p:cSld>
-  <p:clrMapOvr>
-    <a:masterClrMapping/>
-  </p:clrMapOvr>
-  <p:timing>
-    <p:tnLst>
-      <p:par>
-        <p:cTn id="1" dur="indefinite" restart="never" nodeType="tmRoot"/>
-      </p:par>
-    </p:tnLst>
-  </p:timing>
-</p:sld>
-</file>
-
-<file path=ppt/slides/slide31.xml><?xml version="1.0" encoding="utf-8"?>
-<p:sld xmlns:a="http://schemas.openxmlformats.org/drawingml/2006/main" xmlns:r="http://schemas.openxmlformats.org/officeDocument/2006/relationships" xmlns:p="http://schemas.openxmlformats.org/presentationml/2006/main">
-  <p:cSld>
-    <p:spTree>
-      <p:nvGrpSpPr>
-        <p:cNvPr id="1" name=""/>
-        <p:cNvGrpSpPr/>
-        <p:nvPr/>
-      </p:nvGrpSpPr>
-      <p:grpSpPr>
-        <a:xfrm>
-          <a:off x="0" y="0"/>
-          <a:ext cx="0" cy="0"/>
-          <a:chOff x="0" y="0"/>
-          <a:chExt cx="0" cy="0"/>
-        </a:xfrm>
-      </p:grpSpPr>
-      <p:sp>
-        <p:nvSpPr>
-          <p:cNvPr id="2" name="标题 1"/>
-          <p:cNvSpPr>
-            <a:spLocks noGrp="1"/>
-          </p:cNvSpPr>
-          <p:nvPr>
-            <p:ph type="title"/>
-          </p:nvPr>
-        </p:nvSpPr>
-        <p:spPr/>
-        <p:txBody>
-          <a:bodyPr/>
-          <a:lstStyle/>
-          <a:p>
-            <a:r>
-              <a:rPr lang="zh-CN" altLang="en-US" dirty="0" smtClean="0"/>
-              <a:t>放音</a:t>
-            </a:r>
-            <a:endParaRPr lang="zh-CN" altLang="en-US" dirty="0"/>
-          </a:p>
-        </p:txBody>
-      </p:sp>
-      <p:sp>
-        <p:nvSpPr>
-          <p:cNvPr id="3" name="内容占位符 2"/>
-          <p:cNvSpPr>
-            <a:spLocks noGrp="1"/>
-          </p:cNvSpPr>
-          <p:nvPr>
-            <p:ph idx="1"/>
-          </p:nvPr>
-        </p:nvSpPr>
-        <p:spPr/>
-        <p:txBody>
-          <a:bodyPr/>
-          <a:lstStyle/>
-          <a:p>
-            <a:endParaRPr lang="zh-CN" altLang="en-US"/>
-          </a:p>
-        </p:txBody>
-      </p:sp>
-    </p:spTree>
-    <p:extLst>
-      <p:ext uri="{BB962C8B-B14F-4D97-AF65-F5344CB8AC3E}">
-        <p14:creationId xmlns:p14="http://schemas.microsoft.com/office/powerpoint/2010/main" val="109903351"/>
-      </p:ext>
-    </p:extLst>
-  </p:cSld>
-  <p:clrMapOvr>
-    <a:masterClrMapping/>
-  </p:clrMapOvr>
-  <p:timing>
-    <p:tnLst>
-      <p:par>
-        <p:cTn id="1" dur="indefinite" restart="never" nodeType="tmRoot"/>
-      </p:par>
-    </p:tnLst>
-  </p:timing>
-</p:sld>
-</file>
-
 <file path=ppt/slides/slide32.xml><?xml version="1.0" encoding="utf-8"?>
 <p:sld xmlns:a="http://schemas.openxmlformats.org/drawingml/2006/main" xmlns:r="http://schemas.openxmlformats.org/officeDocument/2006/relationships" xmlns:p="http://schemas.openxmlformats.org/presentationml/2006/main">
   <p:cSld>
@@ -11367,12 +11458,8 @@
           <a:lstStyle/>
           <a:p>
             <a:r>
-              <a:rPr lang="en-US" altLang="zh-CN" dirty="0" smtClean="0"/>
-              <a:t>DPCM</a:t>
-            </a:r>
-            <a:r>
               <a:rPr lang="zh-CN" altLang="en-US" dirty="0" smtClean="0"/>
-              <a:t>的工作原理</a:t>
+              <a:t>注册：</a:t>
             </a:r>
             <a:endParaRPr lang="zh-CN" altLang="en-US" dirty="0"/>
           </a:p>
@@ -11393,14 +11480,14 @@
           <a:bodyPr/>
           <a:lstStyle/>
           <a:p>
-            <a:endParaRPr lang="zh-CN" altLang="en-US" dirty="0"/>
+            <a:endParaRPr lang="zh-CN" altLang="en-US"/>
           </a:p>
         </p:txBody>
       </p:sp>
     </p:spTree>
     <p:extLst>
       <p:ext uri="{BB962C8B-B14F-4D97-AF65-F5344CB8AC3E}">
-        <p14:creationId xmlns:p14="http://schemas.microsoft.com/office/powerpoint/2010/main" val="2630780146"/>
+        <p14:creationId xmlns:p14="http://schemas.microsoft.com/office/powerpoint/2010/main" val="3044619744"/>
       </p:ext>
     </p:extLst>
   </p:cSld>
@@ -11451,11 +11538,7 @@
           <a:p>
             <a:r>
               <a:rPr lang="en-US" altLang="zh-CN" dirty="0" smtClean="0"/>
-              <a:t>Audio2.0</a:t>
-            </a:r>
-            <a:r>
-              <a:rPr lang="zh-CN" altLang="en-US" dirty="0" smtClean="0"/>
-              <a:t>驱动的设计</a:t>
+              <a:t>DAPM</a:t>
             </a:r>
             <a:endParaRPr lang="zh-CN" altLang="en-US" dirty="0"/>
           </a:p>
@@ -11483,7 +11566,7 @@
     </p:spTree>
     <p:extLst>
       <p:ext uri="{BB962C8B-B14F-4D97-AF65-F5344CB8AC3E}">
-        <p14:creationId xmlns:p14="http://schemas.microsoft.com/office/powerpoint/2010/main" val="22352970"/>
+        <p14:creationId xmlns:p14="http://schemas.microsoft.com/office/powerpoint/2010/main" val="2165725659"/>
       </p:ext>
     </p:extLst>
   </p:cSld>
@@ -11534,6 +11617,251 @@
           <a:p>
             <a:r>
               <a:rPr lang="zh-CN" altLang="en-US" dirty="0" smtClean="0"/>
+              <a:t>放音</a:t>
+            </a:r>
+            <a:endParaRPr lang="zh-CN" altLang="en-US" dirty="0"/>
+          </a:p>
+        </p:txBody>
+      </p:sp>
+      <p:sp>
+        <p:nvSpPr>
+          <p:cNvPr id="3" name="内容占位符 2"/>
+          <p:cNvSpPr>
+            <a:spLocks noGrp="1"/>
+          </p:cNvSpPr>
+          <p:nvPr>
+            <p:ph idx="1"/>
+          </p:nvPr>
+        </p:nvSpPr>
+        <p:spPr/>
+        <p:txBody>
+          <a:bodyPr/>
+          <a:lstStyle/>
+          <a:p>
+            <a:endParaRPr lang="zh-CN" altLang="en-US"/>
+          </a:p>
+        </p:txBody>
+      </p:sp>
+    </p:spTree>
+    <p:extLst>
+      <p:ext uri="{BB962C8B-B14F-4D97-AF65-F5344CB8AC3E}">
+        <p14:creationId xmlns:p14="http://schemas.microsoft.com/office/powerpoint/2010/main" val="109903351"/>
+      </p:ext>
+    </p:extLst>
+  </p:cSld>
+  <p:clrMapOvr>
+    <a:masterClrMapping/>
+  </p:clrMapOvr>
+  <p:timing>
+    <p:tnLst>
+      <p:par>
+        <p:cTn id="1" dur="indefinite" restart="never" nodeType="tmRoot"/>
+      </p:par>
+    </p:tnLst>
+  </p:timing>
+</p:sld>
+</file>
+
+<file path=ppt/slides/slide35.xml><?xml version="1.0" encoding="utf-8"?>
+<p:sld xmlns:a="http://schemas.openxmlformats.org/drawingml/2006/main" xmlns:r="http://schemas.openxmlformats.org/officeDocument/2006/relationships" xmlns:p="http://schemas.openxmlformats.org/presentationml/2006/main">
+  <p:cSld>
+    <p:spTree>
+      <p:nvGrpSpPr>
+        <p:cNvPr id="1" name=""/>
+        <p:cNvGrpSpPr/>
+        <p:nvPr/>
+      </p:nvGrpSpPr>
+      <p:grpSpPr>
+        <a:xfrm>
+          <a:off x="0" y="0"/>
+          <a:ext cx="0" cy="0"/>
+          <a:chOff x="0" y="0"/>
+          <a:chExt cx="0" cy="0"/>
+        </a:xfrm>
+      </p:grpSpPr>
+      <p:sp>
+        <p:nvSpPr>
+          <p:cNvPr id="2" name="标题 1"/>
+          <p:cNvSpPr>
+            <a:spLocks noGrp="1"/>
+          </p:cNvSpPr>
+          <p:nvPr>
+            <p:ph type="title"/>
+          </p:nvPr>
+        </p:nvSpPr>
+        <p:spPr/>
+        <p:txBody>
+          <a:bodyPr/>
+          <a:lstStyle/>
+          <a:p>
+            <a:r>
+              <a:rPr lang="en-US" altLang="zh-CN" dirty="0" smtClean="0"/>
+              <a:t>DPCM</a:t>
+            </a:r>
+            <a:r>
+              <a:rPr lang="zh-CN" altLang="en-US" dirty="0" smtClean="0"/>
+              <a:t>的工作原理</a:t>
+            </a:r>
+            <a:endParaRPr lang="zh-CN" altLang="en-US" dirty="0"/>
+          </a:p>
+        </p:txBody>
+      </p:sp>
+      <p:sp>
+        <p:nvSpPr>
+          <p:cNvPr id="3" name="内容占位符 2"/>
+          <p:cNvSpPr>
+            <a:spLocks noGrp="1"/>
+          </p:cNvSpPr>
+          <p:nvPr>
+            <p:ph idx="1"/>
+          </p:nvPr>
+        </p:nvSpPr>
+        <p:spPr/>
+        <p:txBody>
+          <a:bodyPr/>
+          <a:lstStyle/>
+          <a:p>
+            <a:endParaRPr lang="zh-CN" altLang="en-US" dirty="0"/>
+          </a:p>
+        </p:txBody>
+      </p:sp>
+    </p:spTree>
+    <p:extLst>
+      <p:ext uri="{BB962C8B-B14F-4D97-AF65-F5344CB8AC3E}">
+        <p14:creationId xmlns:p14="http://schemas.microsoft.com/office/powerpoint/2010/main" val="2630780146"/>
+      </p:ext>
+    </p:extLst>
+  </p:cSld>
+  <p:clrMapOvr>
+    <a:masterClrMapping/>
+  </p:clrMapOvr>
+  <p:timing>
+    <p:tnLst>
+      <p:par>
+        <p:cTn id="1" dur="indefinite" restart="never" nodeType="tmRoot"/>
+      </p:par>
+    </p:tnLst>
+  </p:timing>
+</p:sld>
+</file>
+
+<file path=ppt/slides/slide36.xml><?xml version="1.0" encoding="utf-8"?>
+<p:sld xmlns:a="http://schemas.openxmlformats.org/drawingml/2006/main" xmlns:r="http://schemas.openxmlformats.org/officeDocument/2006/relationships" xmlns:p="http://schemas.openxmlformats.org/presentationml/2006/main">
+  <p:cSld>
+    <p:spTree>
+      <p:nvGrpSpPr>
+        <p:cNvPr id="1" name=""/>
+        <p:cNvGrpSpPr/>
+        <p:nvPr/>
+      </p:nvGrpSpPr>
+      <p:grpSpPr>
+        <a:xfrm>
+          <a:off x="0" y="0"/>
+          <a:ext cx="0" cy="0"/>
+          <a:chOff x="0" y="0"/>
+          <a:chExt cx="0" cy="0"/>
+        </a:xfrm>
+      </p:grpSpPr>
+      <p:sp>
+        <p:nvSpPr>
+          <p:cNvPr id="2" name="标题 1"/>
+          <p:cNvSpPr>
+            <a:spLocks noGrp="1"/>
+          </p:cNvSpPr>
+          <p:nvPr>
+            <p:ph type="title"/>
+          </p:nvPr>
+        </p:nvSpPr>
+        <p:spPr/>
+        <p:txBody>
+          <a:bodyPr/>
+          <a:lstStyle/>
+          <a:p>
+            <a:r>
+              <a:rPr lang="en-US" altLang="zh-CN" dirty="0" smtClean="0"/>
+              <a:t>Audio2.0</a:t>
+            </a:r>
+            <a:r>
+              <a:rPr lang="zh-CN" altLang="en-US" dirty="0" smtClean="0"/>
+              <a:t>驱动的设计</a:t>
+            </a:r>
+            <a:endParaRPr lang="zh-CN" altLang="en-US" dirty="0"/>
+          </a:p>
+        </p:txBody>
+      </p:sp>
+      <p:sp>
+        <p:nvSpPr>
+          <p:cNvPr id="3" name="内容占位符 2"/>
+          <p:cNvSpPr>
+            <a:spLocks noGrp="1"/>
+          </p:cNvSpPr>
+          <p:nvPr>
+            <p:ph idx="1"/>
+          </p:nvPr>
+        </p:nvSpPr>
+        <p:spPr/>
+        <p:txBody>
+          <a:bodyPr/>
+          <a:lstStyle/>
+          <a:p>
+            <a:endParaRPr lang="zh-CN" altLang="en-US"/>
+          </a:p>
+        </p:txBody>
+      </p:sp>
+    </p:spTree>
+    <p:extLst>
+      <p:ext uri="{BB962C8B-B14F-4D97-AF65-F5344CB8AC3E}">
+        <p14:creationId xmlns:p14="http://schemas.microsoft.com/office/powerpoint/2010/main" val="22352970"/>
+      </p:ext>
+    </p:extLst>
+  </p:cSld>
+  <p:clrMapOvr>
+    <a:masterClrMapping/>
+  </p:clrMapOvr>
+  <p:timing>
+    <p:tnLst>
+      <p:par>
+        <p:cTn id="1" dur="indefinite" restart="never" nodeType="tmRoot"/>
+      </p:par>
+    </p:tnLst>
+  </p:timing>
+</p:sld>
+</file>
+
+<file path=ppt/slides/slide37.xml><?xml version="1.0" encoding="utf-8"?>
+<p:sld xmlns:a="http://schemas.openxmlformats.org/drawingml/2006/main" xmlns:r="http://schemas.openxmlformats.org/officeDocument/2006/relationships" xmlns:p="http://schemas.openxmlformats.org/presentationml/2006/main">
+  <p:cSld>
+    <p:spTree>
+      <p:nvGrpSpPr>
+        <p:cNvPr id="1" name=""/>
+        <p:cNvGrpSpPr/>
+        <p:nvPr/>
+      </p:nvGrpSpPr>
+      <p:grpSpPr>
+        <a:xfrm>
+          <a:off x="0" y="0"/>
+          <a:ext cx="0" cy="0"/>
+          <a:chOff x="0" y="0"/>
+          <a:chExt cx="0" cy="0"/>
+        </a:xfrm>
+      </p:grpSpPr>
+      <p:sp>
+        <p:nvSpPr>
+          <p:cNvPr id="2" name="标题 1"/>
+          <p:cNvSpPr>
+            <a:spLocks noGrp="1"/>
+          </p:cNvSpPr>
+          <p:nvPr>
+            <p:ph type="title"/>
+          </p:nvPr>
+        </p:nvSpPr>
+        <p:spPr/>
+        <p:txBody>
+          <a:bodyPr/>
+          <a:lstStyle/>
+          <a:p>
+            <a:r>
+              <a:rPr lang="zh-CN" altLang="en-US" dirty="0" smtClean="0"/>
               <a:t>驱动的使用方法</a:t>
             </a:r>
             <a:endParaRPr lang="zh-CN" altLang="en-US" dirty="0"/>
@@ -11580,6 +11908,164 @@
 </file>
 
 <file path=ppt/slides/slide4.xml><?xml version="1.0" encoding="utf-8"?>
+<p:sld xmlns:a="http://schemas.openxmlformats.org/drawingml/2006/main" xmlns:r="http://schemas.openxmlformats.org/officeDocument/2006/relationships" xmlns:p="http://schemas.openxmlformats.org/presentationml/2006/main">
+  <p:cSld>
+    <p:spTree>
+      <p:nvGrpSpPr>
+        <p:cNvPr id="1" name=""/>
+        <p:cNvGrpSpPr/>
+        <p:nvPr/>
+      </p:nvGrpSpPr>
+      <p:grpSpPr>
+        <a:xfrm>
+          <a:off x="0" y="0"/>
+          <a:ext cx="0" cy="0"/>
+          <a:chOff x="0" y="0"/>
+          <a:chExt cx="0" cy="0"/>
+        </a:xfrm>
+      </p:grpSpPr>
+      <p:sp>
+        <p:nvSpPr>
+          <p:cNvPr id="16" name="标题 15"/>
+          <p:cNvSpPr>
+            <a:spLocks noGrp="1"/>
+          </p:cNvSpPr>
+          <p:nvPr>
+            <p:ph type="title"/>
+          </p:nvPr>
+        </p:nvSpPr>
+        <p:spPr>
+          <a:xfrm>
+            <a:off x="839788" y="457200"/>
+            <a:ext cx="3932237" cy="934872"/>
+          </a:xfrm>
+        </p:spPr>
+        <p:txBody>
+          <a:bodyPr/>
+          <a:lstStyle/>
+          <a:p>
+            <a:r>
+              <a:rPr lang="zh-CN" altLang="en-US" dirty="0"/>
+              <a:t>位</a:t>
+            </a:r>
+            <a:r>
+              <a:rPr lang="zh-CN" altLang="en-US" dirty="0" smtClean="0"/>
+              <a:t>宽：</a:t>
+            </a:r>
+            <a:endParaRPr lang="zh-CN" altLang="en-US" dirty="0"/>
+          </a:p>
+        </p:txBody>
+      </p:sp>
+      <p:pic>
+        <p:nvPicPr>
+          <p:cNvPr id="11" name="内容占位符 10"/>
+          <p:cNvPicPr>
+            <a:picLocks noGrp="1" noChangeAspect="1"/>
+          </p:cNvPicPr>
+          <p:nvPr>
+            <p:ph idx="1"/>
+          </p:nvPr>
+        </p:nvPicPr>
+        <p:blipFill>
+          <a:blip r:embed="rId2"/>
+          <a:stretch>
+            <a:fillRect/>
+          </a:stretch>
+        </p:blipFill>
+        <p:spPr>
+          <a:xfrm>
+            <a:off x="4460421" y="1392072"/>
+            <a:ext cx="7613252" cy="4600007"/>
+          </a:xfrm>
+          <a:prstGeom prst="rect">
+            <a:avLst/>
+          </a:prstGeom>
+        </p:spPr>
+      </p:pic>
+      <p:sp>
+        <p:nvSpPr>
+          <p:cNvPr id="17" name="文本占位符 16"/>
+          <p:cNvSpPr>
+            <a:spLocks noGrp="1"/>
+          </p:cNvSpPr>
+          <p:nvPr>
+            <p:ph type="body" sz="half" idx="2"/>
+          </p:nvPr>
+        </p:nvSpPr>
+        <p:spPr>
+          <a:xfrm>
+            <a:off x="839788" y="1733266"/>
+            <a:ext cx="3932237" cy="4135722"/>
+          </a:xfrm>
+        </p:spPr>
+        <p:txBody>
+          <a:bodyPr/>
+          <a:lstStyle/>
+          <a:p>
+            <a:r>
+              <a:rPr lang="zh-CN" altLang="en-US" dirty="0"/>
+              <a:t>量化</a:t>
+            </a:r>
+            <a:r>
+              <a:rPr lang="zh-CN" altLang="en-US" dirty="0" smtClean="0"/>
+              <a:t>等级，一个周期内采样点的量化范围：如右图</a:t>
+            </a:r>
+            <a:r>
+              <a:rPr lang="en-US" altLang="zh-CN" dirty="0" smtClean="0"/>
+              <a:t>4-bit</a:t>
+            </a:r>
+            <a:r>
+              <a:rPr lang="zh-CN" altLang="en-US" dirty="0" smtClean="0"/>
+              <a:t>的位宽，只有</a:t>
+            </a:r>
+            <a:r>
+              <a:rPr lang="en-US" altLang="zh-CN" dirty="0" smtClean="0"/>
+              <a:t>16</a:t>
+            </a:r>
+            <a:r>
+              <a:rPr lang="zh-CN" altLang="en-US" dirty="0" smtClean="0"/>
+              <a:t>个采样点。</a:t>
+            </a:r>
+            <a:endParaRPr lang="en-US" altLang="zh-CN" dirty="0" smtClean="0"/>
+          </a:p>
+          <a:p>
+            <a:endParaRPr lang="en-US" altLang="zh-CN" dirty="0"/>
+          </a:p>
+          <a:p>
+            <a:r>
+              <a:rPr lang="zh-CN" altLang="en-US" dirty="0" smtClean="0"/>
+              <a:t>比如</a:t>
+            </a:r>
+            <a:r>
+              <a:rPr lang="en-US" altLang="zh-CN" dirty="0" smtClean="0"/>
+              <a:t>16bit</a:t>
+            </a:r>
+            <a:r>
+              <a:rPr lang="zh-CN" altLang="en-US" dirty="0" smtClean="0"/>
+              <a:t>的位宽，采样精度将是</a:t>
+            </a:r>
+            <a:r>
+              <a:rPr lang="en-US" altLang="zh-CN" dirty="0" smtClean="0"/>
+              <a:t>2^16=65535</a:t>
+            </a:r>
+            <a:endParaRPr lang="zh-CN" altLang="en-US" dirty="0"/>
+          </a:p>
+        </p:txBody>
+      </p:sp>
+    </p:spTree>
+    <p:extLst>
+      <p:ext uri="{BB962C8B-B14F-4D97-AF65-F5344CB8AC3E}">
+        <p14:creationId xmlns:p14="http://schemas.microsoft.com/office/powerpoint/2010/main" val="3979369373"/>
+      </p:ext>
+    </p:extLst>
+  </p:cSld>
+  <p:clrMapOvr>
+    <a:masterClrMapping/>
+  </p:clrMapOvr>
+</p:sld>
+</file>
+
+<file path=ppt/slides/slide5.xml><?xml version="1.0" encoding="utf-8"?>
 <p:sld xmlns:a="http://schemas.openxmlformats.org/drawingml/2006/main" xmlns:r="http://schemas.openxmlformats.org/officeDocument/2006/relationships" xmlns:p="http://schemas.openxmlformats.org/presentationml/2006/main">
   <p:cSld>
     <p:spTree>
@@ -11712,7 +12198,7 @@
 </p:sld>
 </file>
 
-<file path=ppt/slides/slide5.xml><?xml version="1.0" encoding="utf-8"?>
+<file path=ppt/slides/slide6.xml><?xml version="1.0" encoding="utf-8"?>
 <p:sld xmlns:a="http://schemas.openxmlformats.org/drawingml/2006/main" xmlns:r="http://schemas.openxmlformats.org/officeDocument/2006/relationships" xmlns:p="http://schemas.openxmlformats.org/presentationml/2006/main">
   <p:cSld>
     <p:spTree>
@@ -11904,7 +12390,7 @@
 </p:sld>
 </file>
 
-<file path=ppt/slides/slide6.xml><?xml version="1.0" encoding="utf-8"?>
+<file path=ppt/slides/slide7.xml><?xml version="1.0" encoding="utf-8"?>
 <p:sld xmlns:a="http://schemas.openxmlformats.org/drawingml/2006/main" xmlns:r="http://schemas.openxmlformats.org/officeDocument/2006/relationships" xmlns:p="http://schemas.openxmlformats.org/presentationml/2006/main">
   <p:cSld>
     <p:spTree>
@@ -12142,262 +12628,6 @@
     <p:extLst>
       <p:ext uri="{BB962C8B-B14F-4D97-AF65-F5344CB8AC3E}">
         <p14:creationId xmlns:p14="http://schemas.microsoft.com/office/powerpoint/2010/main" val="233457502"/>
-      </p:ext>
-    </p:extLst>
-  </p:cSld>
-  <p:clrMapOvr>
-    <a:masterClrMapping/>
-  </p:clrMapOvr>
-  <p:timing>
-    <p:tnLst>
-      <p:par>
-        <p:cTn id="1" dur="indefinite" restart="never" nodeType="tmRoot"/>
-      </p:par>
-    </p:tnLst>
-  </p:timing>
-</p:sld>
-</file>
-
-<file path=ppt/slides/slide7.xml><?xml version="1.0" encoding="utf-8"?>
-<p:sld xmlns:a="http://schemas.openxmlformats.org/drawingml/2006/main" xmlns:r="http://schemas.openxmlformats.org/officeDocument/2006/relationships" xmlns:p="http://schemas.openxmlformats.org/presentationml/2006/main">
-  <p:cSld>
-    <p:spTree>
-      <p:nvGrpSpPr>
-        <p:cNvPr id="1" name=""/>
-        <p:cNvGrpSpPr/>
-        <p:nvPr/>
-      </p:nvGrpSpPr>
-      <p:grpSpPr>
-        <a:xfrm>
-          <a:off x="0" y="0"/>
-          <a:ext cx="0" cy="0"/>
-          <a:chOff x="0" y="0"/>
-          <a:chExt cx="0" cy="0"/>
-        </a:xfrm>
-      </p:grpSpPr>
-      <p:sp>
-        <p:nvSpPr>
-          <p:cNvPr id="2" name="标题 1"/>
-          <p:cNvSpPr>
-            <a:spLocks noGrp="1"/>
-          </p:cNvSpPr>
-          <p:nvPr>
-            <p:ph type="title"/>
-          </p:nvPr>
-        </p:nvSpPr>
-        <p:spPr/>
-        <p:txBody>
-          <a:bodyPr/>
-          <a:lstStyle/>
-          <a:p>
-            <a:r>
-              <a:rPr lang="en-US" altLang="zh-CN" dirty="0" smtClean="0"/>
-              <a:t>BAIC&lt;=&gt;Codec</a:t>
-            </a:r>
-            <a:endParaRPr lang="zh-CN" altLang="en-US" dirty="0"/>
-          </a:p>
-        </p:txBody>
-      </p:sp>
-      <p:sp>
-        <p:nvSpPr>
-          <p:cNvPr id="3" name="内容占位符 2"/>
-          <p:cNvSpPr>
-            <a:spLocks noGrp="1"/>
-          </p:cNvSpPr>
-          <p:nvPr>
-            <p:ph idx="1"/>
-          </p:nvPr>
-        </p:nvSpPr>
-        <p:spPr/>
-        <p:txBody>
-          <a:bodyPr/>
-          <a:lstStyle/>
-          <a:p>
-            <a:r>
-              <a:rPr lang="en-US" altLang="zh-CN" dirty="0" smtClean="0">
-                <a:latin typeface="+mn-ea"/>
-                <a:cs typeface="Times New Roman" panose="02020603050405020304" pitchFamily="18" charset="0"/>
-              </a:rPr>
-              <a:t>Master</a:t>
-            </a:r>
-          </a:p>
-          <a:p>
-            <a:pPr lvl="1"/>
-            <a:r>
-              <a:rPr lang="zh-CN" altLang="en-US" dirty="0" smtClean="0">
-                <a:latin typeface="+mn-ea"/>
-                <a:cs typeface="Times New Roman" panose="02020603050405020304" pitchFamily="18" charset="0"/>
-              </a:rPr>
-              <a:t>由</a:t>
-            </a:r>
-            <a:r>
-              <a:rPr lang="en-US" altLang="zh-CN" dirty="0" smtClean="0">
-                <a:latin typeface="+mn-ea"/>
-                <a:cs typeface="Times New Roman" panose="02020603050405020304" pitchFamily="18" charset="0"/>
-              </a:rPr>
-              <a:t>Audio</a:t>
-            </a:r>
-            <a:r>
-              <a:rPr lang="zh-CN" altLang="en-US" dirty="0" smtClean="0">
-                <a:latin typeface="+mn-ea"/>
-                <a:cs typeface="Times New Roman" panose="02020603050405020304" pitchFamily="18" charset="0"/>
-              </a:rPr>
-              <a:t>控制器提供</a:t>
-            </a:r>
-            <a:r>
-              <a:rPr lang="en-US" altLang="zh-CN" dirty="0" smtClean="0">
-                <a:latin typeface="+mn-ea"/>
-                <a:cs typeface="Times New Roman" panose="02020603050405020304" pitchFamily="18" charset="0"/>
-              </a:rPr>
-              <a:t>Codec</a:t>
-            </a:r>
-            <a:r>
-              <a:rPr lang="zh-CN" altLang="en-US" dirty="0" smtClean="0">
-                <a:latin typeface="+mn-ea"/>
-                <a:cs typeface="Times New Roman" panose="02020603050405020304" pitchFamily="18" charset="0"/>
-              </a:rPr>
-              <a:t>所需的</a:t>
-            </a:r>
-            <a:r>
-              <a:rPr lang="en-US" altLang="zh-CN" dirty="0" smtClean="0">
-                <a:latin typeface="+mn-ea"/>
-                <a:cs typeface="Times New Roman" panose="02020603050405020304" pitchFamily="18" charset="0"/>
-              </a:rPr>
-              <a:t>BCLK</a:t>
-            </a:r>
-            <a:r>
-              <a:rPr lang="zh-CN" altLang="en-US" dirty="0" smtClean="0">
-                <a:latin typeface="+mn-ea"/>
-                <a:cs typeface="Times New Roman" panose="02020603050405020304" pitchFamily="18" charset="0"/>
-              </a:rPr>
-              <a:t>，</a:t>
-            </a:r>
-            <a:r>
-              <a:rPr lang="en-US" altLang="zh-CN" dirty="0" smtClean="0">
-                <a:latin typeface="+mn-ea"/>
-                <a:cs typeface="Times New Roman" panose="02020603050405020304" pitchFamily="18" charset="0"/>
-              </a:rPr>
-              <a:t>LRCLK</a:t>
-            </a:r>
-          </a:p>
-          <a:p>
-            <a:endParaRPr lang="en-US" altLang="zh-CN" dirty="0">
-              <a:latin typeface="+mn-ea"/>
-              <a:cs typeface="Times New Roman" panose="02020603050405020304" pitchFamily="18" charset="0"/>
-            </a:endParaRPr>
-          </a:p>
-          <a:p>
-            <a:endParaRPr lang="en-US" altLang="zh-CN" dirty="0" smtClean="0">
-              <a:latin typeface="+mn-ea"/>
-              <a:cs typeface="Times New Roman" panose="02020603050405020304" pitchFamily="18" charset="0"/>
-            </a:endParaRPr>
-          </a:p>
-          <a:p>
-            <a:r>
-              <a:rPr lang="en-US" altLang="zh-CN" dirty="0" smtClean="0">
-                <a:latin typeface="+mn-ea"/>
-                <a:cs typeface="Times New Roman" panose="02020603050405020304" pitchFamily="18" charset="0"/>
-              </a:rPr>
-              <a:t>Slave</a:t>
-            </a:r>
-          </a:p>
-          <a:p>
-            <a:pPr lvl="1"/>
-            <a:r>
-              <a:rPr lang="zh-CN" altLang="en-US" dirty="0">
-                <a:latin typeface="+mn-ea"/>
-                <a:cs typeface="Times New Roman" panose="02020603050405020304" pitchFamily="18" charset="0"/>
-              </a:rPr>
-              <a:t>只需</a:t>
-            </a:r>
-            <a:r>
-              <a:rPr lang="zh-CN" altLang="en-US" dirty="0" smtClean="0">
-                <a:latin typeface="+mn-ea"/>
-                <a:cs typeface="Times New Roman" panose="02020603050405020304" pitchFamily="18" charset="0"/>
-              </a:rPr>
-              <a:t>要提供</a:t>
-            </a:r>
-            <a:r>
-              <a:rPr lang="en-US" altLang="zh-CN" dirty="0" smtClean="0">
-                <a:latin typeface="+mn-ea"/>
-                <a:cs typeface="Times New Roman" panose="02020603050405020304" pitchFamily="18" charset="0"/>
-              </a:rPr>
-              <a:t>MCLK</a:t>
-            </a:r>
-            <a:r>
-              <a:rPr lang="zh-CN" altLang="en-US" dirty="0" smtClean="0">
-                <a:latin typeface="+mn-ea"/>
-                <a:cs typeface="Times New Roman" panose="02020603050405020304" pitchFamily="18" charset="0"/>
-              </a:rPr>
-              <a:t>，而数据传输所需要的</a:t>
-            </a:r>
-            <a:r>
-              <a:rPr lang="en-US" altLang="zh-CN" dirty="0" smtClean="0">
-                <a:latin typeface="+mn-ea"/>
-                <a:cs typeface="Times New Roman" panose="02020603050405020304" pitchFamily="18" charset="0"/>
-              </a:rPr>
-              <a:t>BCLK</a:t>
-            </a:r>
-            <a:r>
-              <a:rPr lang="zh-CN" altLang="en-US" dirty="0" smtClean="0">
-                <a:latin typeface="+mn-ea"/>
-                <a:cs typeface="Times New Roman" panose="02020603050405020304" pitchFamily="18" charset="0"/>
-              </a:rPr>
-              <a:t>和</a:t>
-            </a:r>
-            <a:r>
-              <a:rPr lang="en-US" altLang="zh-CN" dirty="0" smtClean="0">
-                <a:latin typeface="+mn-ea"/>
-                <a:cs typeface="Times New Roman" panose="02020603050405020304" pitchFamily="18" charset="0"/>
-              </a:rPr>
-              <a:t>LRCLK</a:t>
-            </a:r>
-            <a:r>
-              <a:rPr lang="zh-CN" altLang="en-US" dirty="0" smtClean="0">
-                <a:latin typeface="+mn-ea"/>
-                <a:cs typeface="Times New Roman" panose="02020603050405020304" pitchFamily="18" charset="0"/>
-              </a:rPr>
-              <a:t>均由</a:t>
-            </a:r>
-            <a:r>
-              <a:rPr lang="en-US" altLang="zh-CN" dirty="0" smtClean="0">
-                <a:latin typeface="+mn-ea"/>
-                <a:cs typeface="Times New Roman" panose="02020603050405020304" pitchFamily="18" charset="0"/>
-              </a:rPr>
-              <a:t>Codec</a:t>
-            </a:r>
-            <a:r>
-              <a:rPr lang="zh-CN" altLang="en-US" dirty="0" smtClean="0">
-                <a:latin typeface="+mn-ea"/>
-                <a:cs typeface="Times New Roman" panose="02020603050405020304" pitchFamily="18" charset="0"/>
-              </a:rPr>
-              <a:t>自己提供，此时就需要</a:t>
-            </a:r>
-            <a:r>
-              <a:rPr lang="en-US" altLang="zh-CN" dirty="0" smtClean="0">
-                <a:latin typeface="+mn-ea"/>
-                <a:cs typeface="Times New Roman" panose="02020603050405020304" pitchFamily="18" charset="0"/>
-              </a:rPr>
-              <a:t>Codec</a:t>
-            </a:r>
-            <a:r>
-              <a:rPr lang="zh-CN" altLang="en-US" dirty="0" smtClean="0">
-                <a:latin typeface="+mn-ea"/>
-                <a:cs typeface="Times New Roman" panose="02020603050405020304" pitchFamily="18" charset="0"/>
-              </a:rPr>
-              <a:t>自己进行分频</a:t>
-            </a:r>
-            <a:endParaRPr lang="zh-CN" altLang="en-US" dirty="0">
-              <a:latin typeface="+mn-ea"/>
-              <a:cs typeface="Times New Roman" panose="02020603050405020304" pitchFamily="18" charset="0"/>
-            </a:endParaRPr>
-          </a:p>
-        </p:txBody>
-      </p:sp>
-    </p:spTree>
-    <p:extLst>
-      <p:ext uri="{BB962C8B-B14F-4D97-AF65-F5344CB8AC3E}">
-        <p14:creationId xmlns:p14="http://schemas.microsoft.com/office/powerpoint/2010/main" val="3010999400"/>
       </p:ext>
     </p:extLst>
   </p:cSld>
@@ -12448,90 +12678,212 @@
           <a:p>
             <a:r>
               <a:rPr lang="en-US" altLang="zh-CN" dirty="0" smtClean="0"/>
-              <a:t>Audio</a:t>
-            </a:r>
-            <a:r>
-              <a:rPr lang="zh-CN" altLang="en-US" dirty="0" smtClean="0"/>
-              <a:t>控制器</a:t>
+              <a:t>BAIC&lt;=&gt;Codec</a:t>
             </a:r>
             <a:endParaRPr lang="zh-CN" altLang="en-US" dirty="0"/>
           </a:p>
         </p:txBody>
       </p:sp>
-      <p:pic>
-        <p:nvPicPr>
-          <p:cNvPr id="4" name="Picture 4"/>
-          <p:cNvPicPr>
-            <a:picLocks noGrp="1" noChangeAspect="1" noChangeArrowheads="1"/>
-          </p:cNvPicPr>
+      <p:sp>
+        <p:nvSpPr>
+          <p:cNvPr id="3" name="内容占位符 2"/>
+          <p:cNvSpPr>
+            <a:spLocks noGrp="1"/>
+          </p:cNvSpPr>
           <p:nvPr>
             <p:ph idx="1"/>
           </p:nvPr>
-        </p:nvPicPr>
-        <p:blipFill>
-          <a:blip r:embed="rId2">
-            <a:extLst>
-              <a:ext uri="{28A0092B-C50C-407E-A947-70E740481C1C}">
-                <a14:useLocalDpi xmlns:a14="http://schemas.microsoft.com/office/drawing/2010/main" val="0"/>
-              </a:ext>
-            </a:extLst>
-          </a:blip>
-          <a:srcRect/>
-          <a:stretch>
-            <a:fillRect/>
-          </a:stretch>
-        </p:blipFill>
-        <p:spPr bwMode="auto">
-          <a:xfrm>
-            <a:off x="1698009" y="1378423"/>
-            <a:ext cx="8511254" cy="4907721"/>
-          </a:xfrm>
-          <a:prstGeom prst="rect">
-            <a:avLst/>
-          </a:prstGeom>
-          <a:noFill/>
-          <a:ln>
-            <a:noFill/>
-          </a:ln>
-          <a:effectLst/>
-          <a:extLst>
-            <a:ext uri="{909E8E84-426E-40DD-AFC4-6F175D3DCCD1}">
-              <a14:hiddenFill xmlns:a14="http://schemas.microsoft.com/office/drawing/2010/main">
-                <a:blipFill dpi="0" rotWithShape="0">
-                  <a:blip/>
-                  <a:srcRect/>
-                  <a:stretch>
-                    <a:fillRect/>
-                  </a:stretch>
-                </a:blipFill>
-              </a14:hiddenFill>
-            </a:ext>
-            <a:ext uri="{91240B29-F687-4F45-9708-019B960494DF}">
-              <a14:hiddenLine xmlns:a14="http://schemas.microsoft.com/office/drawing/2010/main" w="9525">
-                <a:solidFill>
-                  <a:srgbClr val="000000"/>
-                </a:solidFill>
-                <a:miter lim="800000"/>
-                <a:headEnd/>
-                <a:tailEnd/>
-              </a14:hiddenLine>
-            </a:ext>
-            <a:ext uri="{AF507438-7753-43E0-B8FC-AC1667EBCBE1}">
-              <a14:hiddenEffects xmlns:a14="http://schemas.microsoft.com/office/drawing/2010/main">
-                <a:effectLst>
-                  <a:outerShdw dist="35921" dir="2700000" algn="ctr" rotWithShape="0">
-                    <a:srgbClr val="808080"/>
-                  </a:outerShdw>
-                </a:effectLst>
-              </a14:hiddenEffects>
-            </a:ext>
-          </a:extLst>
-        </p:spPr>
-      </p:pic>
+        </p:nvSpPr>
+        <p:spPr/>
+        <p:txBody>
+          <a:bodyPr/>
+          <a:lstStyle/>
+          <a:p>
+            <a:r>
+              <a:rPr lang="en-US" altLang="zh-CN" dirty="0" smtClean="0">
+                <a:latin typeface="+mn-ea"/>
+                <a:cs typeface="Times New Roman" panose="02020603050405020304" pitchFamily="18" charset="0"/>
+              </a:rPr>
+              <a:t>Master</a:t>
+            </a:r>
+          </a:p>
+          <a:p>
+            <a:pPr lvl="1"/>
+            <a:r>
+              <a:rPr lang="zh-CN" altLang="en-US" dirty="0" smtClean="0">
+                <a:latin typeface="+mn-ea"/>
+                <a:cs typeface="Times New Roman" panose="02020603050405020304" pitchFamily="18" charset="0"/>
+              </a:rPr>
+              <a:t>由</a:t>
+            </a:r>
+            <a:r>
+              <a:rPr lang="en-US" altLang="zh-CN" dirty="0" smtClean="0">
+                <a:latin typeface="+mn-ea"/>
+                <a:cs typeface="Times New Roman" panose="02020603050405020304" pitchFamily="18" charset="0"/>
+              </a:rPr>
+              <a:t>Audio</a:t>
+            </a:r>
+            <a:r>
+              <a:rPr lang="zh-CN" altLang="en-US" dirty="0" smtClean="0">
+                <a:latin typeface="+mn-ea"/>
+                <a:cs typeface="Times New Roman" panose="02020603050405020304" pitchFamily="18" charset="0"/>
+              </a:rPr>
+              <a:t>控制器提供</a:t>
+            </a:r>
+            <a:r>
+              <a:rPr lang="en-US" altLang="zh-CN" dirty="0" smtClean="0">
+                <a:latin typeface="+mn-ea"/>
+                <a:cs typeface="Times New Roman" panose="02020603050405020304" pitchFamily="18" charset="0"/>
+              </a:rPr>
+              <a:t>Codec</a:t>
+            </a:r>
+            <a:r>
+              <a:rPr lang="zh-CN" altLang="en-US" dirty="0" smtClean="0">
+                <a:latin typeface="+mn-ea"/>
+                <a:cs typeface="Times New Roman" panose="02020603050405020304" pitchFamily="18" charset="0"/>
+              </a:rPr>
+              <a:t>所需的</a:t>
+            </a:r>
+            <a:r>
+              <a:rPr lang="en-US" altLang="zh-CN" dirty="0" smtClean="0">
+                <a:latin typeface="+mn-ea"/>
+                <a:cs typeface="Times New Roman" panose="02020603050405020304" pitchFamily="18" charset="0"/>
+              </a:rPr>
+              <a:t>BCLK</a:t>
+            </a:r>
+            <a:r>
+              <a:rPr lang="zh-CN" altLang="en-US" dirty="0" smtClean="0">
+                <a:latin typeface="+mn-ea"/>
+                <a:cs typeface="Times New Roman" panose="02020603050405020304" pitchFamily="18" charset="0"/>
+              </a:rPr>
+              <a:t>，</a:t>
+            </a:r>
+            <a:r>
+              <a:rPr lang="en-US" altLang="zh-CN" dirty="0" smtClean="0">
+                <a:latin typeface="+mn-ea"/>
+                <a:cs typeface="Times New Roman" panose="02020603050405020304" pitchFamily="18" charset="0"/>
+              </a:rPr>
+              <a:t>LRCLK</a:t>
+            </a:r>
+          </a:p>
+          <a:p>
+            <a:endParaRPr lang="en-US" altLang="zh-CN" dirty="0">
+              <a:latin typeface="+mn-ea"/>
+              <a:cs typeface="Times New Roman" panose="02020603050405020304" pitchFamily="18" charset="0"/>
+            </a:endParaRPr>
+          </a:p>
+          <a:p>
+            <a:endParaRPr lang="en-US" altLang="zh-CN" dirty="0" smtClean="0">
+              <a:latin typeface="+mn-ea"/>
+              <a:cs typeface="Times New Roman" panose="02020603050405020304" pitchFamily="18" charset="0"/>
+            </a:endParaRPr>
+          </a:p>
+          <a:p>
+            <a:r>
+              <a:rPr lang="en-US" altLang="zh-CN" dirty="0" smtClean="0">
+                <a:latin typeface="+mn-ea"/>
+                <a:cs typeface="Times New Roman" panose="02020603050405020304" pitchFamily="18" charset="0"/>
+              </a:rPr>
+              <a:t>Slave</a:t>
+            </a:r>
+          </a:p>
+          <a:p>
+            <a:pPr lvl="1"/>
+            <a:r>
+              <a:rPr lang="zh-CN" altLang="en-US" dirty="0">
+                <a:latin typeface="+mn-ea"/>
+                <a:cs typeface="Times New Roman" panose="02020603050405020304" pitchFamily="18" charset="0"/>
+              </a:rPr>
+              <a:t>只需</a:t>
+            </a:r>
+            <a:r>
+              <a:rPr lang="zh-CN" altLang="en-US" dirty="0" smtClean="0">
+                <a:latin typeface="+mn-ea"/>
+                <a:cs typeface="Times New Roman" panose="02020603050405020304" pitchFamily="18" charset="0"/>
+              </a:rPr>
+              <a:t>要提供</a:t>
+            </a:r>
+            <a:r>
+              <a:rPr lang="en-US" altLang="zh-CN" dirty="0" smtClean="0">
+                <a:latin typeface="+mn-ea"/>
+                <a:cs typeface="Times New Roman" panose="02020603050405020304" pitchFamily="18" charset="0"/>
+              </a:rPr>
+              <a:t>MCLK</a:t>
+            </a:r>
+            <a:r>
+              <a:rPr lang="zh-CN" altLang="en-US" dirty="0" smtClean="0">
+                <a:latin typeface="+mn-ea"/>
+                <a:cs typeface="Times New Roman" panose="02020603050405020304" pitchFamily="18" charset="0"/>
+              </a:rPr>
+              <a:t>，而数据传输所需要的</a:t>
+            </a:r>
+            <a:r>
+              <a:rPr lang="en-US" altLang="zh-CN" dirty="0" smtClean="0">
+                <a:latin typeface="+mn-ea"/>
+                <a:cs typeface="Times New Roman" panose="02020603050405020304" pitchFamily="18" charset="0"/>
+              </a:rPr>
+              <a:t>BCLK</a:t>
+            </a:r>
+            <a:r>
+              <a:rPr lang="zh-CN" altLang="en-US" dirty="0" smtClean="0">
+                <a:latin typeface="+mn-ea"/>
+                <a:cs typeface="Times New Roman" panose="02020603050405020304" pitchFamily="18" charset="0"/>
+              </a:rPr>
+              <a:t>和</a:t>
+            </a:r>
+            <a:r>
+              <a:rPr lang="en-US" altLang="zh-CN" dirty="0" smtClean="0">
+                <a:latin typeface="+mn-ea"/>
+                <a:cs typeface="Times New Roman" panose="02020603050405020304" pitchFamily="18" charset="0"/>
+              </a:rPr>
+              <a:t>LRCLK</a:t>
+            </a:r>
+            <a:r>
+              <a:rPr lang="zh-CN" altLang="en-US" dirty="0" smtClean="0">
+                <a:latin typeface="+mn-ea"/>
+                <a:cs typeface="Times New Roman" panose="02020603050405020304" pitchFamily="18" charset="0"/>
+              </a:rPr>
+              <a:t>均由</a:t>
+            </a:r>
+            <a:r>
+              <a:rPr lang="en-US" altLang="zh-CN" dirty="0" smtClean="0">
+                <a:latin typeface="+mn-ea"/>
+                <a:cs typeface="Times New Roman" panose="02020603050405020304" pitchFamily="18" charset="0"/>
+              </a:rPr>
+              <a:t>Codec</a:t>
+            </a:r>
+            <a:r>
+              <a:rPr lang="zh-CN" altLang="en-US" dirty="0" smtClean="0">
+                <a:latin typeface="+mn-ea"/>
+                <a:cs typeface="Times New Roman" panose="02020603050405020304" pitchFamily="18" charset="0"/>
+              </a:rPr>
+              <a:t>自己提供，此时就需要</a:t>
+            </a:r>
+            <a:r>
+              <a:rPr lang="en-US" altLang="zh-CN" dirty="0" smtClean="0">
+                <a:latin typeface="+mn-ea"/>
+                <a:cs typeface="Times New Roman" panose="02020603050405020304" pitchFamily="18" charset="0"/>
+              </a:rPr>
+              <a:t>Codec</a:t>
+            </a:r>
+            <a:r>
+              <a:rPr lang="zh-CN" altLang="en-US" dirty="0" smtClean="0">
+                <a:latin typeface="+mn-ea"/>
+                <a:cs typeface="Times New Roman" panose="02020603050405020304" pitchFamily="18" charset="0"/>
+              </a:rPr>
+              <a:t>自己进行分频</a:t>
+            </a:r>
+            <a:endParaRPr lang="zh-CN" altLang="en-US" dirty="0">
+              <a:latin typeface="+mn-ea"/>
+              <a:cs typeface="Times New Roman" panose="02020603050405020304" pitchFamily="18" charset="0"/>
+            </a:endParaRPr>
+          </a:p>
+        </p:txBody>
+      </p:sp>
     </p:spTree>
     <p:extLst>
       <p:ext uri="{BB962C8B-B14F-4D97-AF65-F5344CB8AC3E}">
-        <p14:creationId xmlns:p14="http://schemas.microsoft.com/office/powerpoint/2010/main" val="3615015215"/>
+        <p14:creationId xmlns:p14="http://schemas.microsoft.com/office/powerpoint/2010/main" val="3010999400"/>
       </p:ext>
     </p:extLst>
   </p:cSld>
@@ -12580,22 +12932,58 @@
           <a:bodyPr/>
           <a:lstStyle/>
           <a:p>
-            <a:r>
-              <a:rPr lang="en-US" altLang="zh-CN" dirty="0" smtClean="0"/>
-              <a:t>BAIC</a:t>
-            </a:r>
-            <a:endParaRPr lang="zh-CN" altLang="en-US" dirty="0"/>
+            <a:pPr algn="ctr"/>
+            <a:r>
+              <a:rPr lang="en-US" altLang="zh-CN" b="1" dirty="0" smtClean="0">
+                <a:latin typeface="+mn-ea"/>
+                <a:ea typeface="+mn-ea"/>
+              </a:rPr>
+              <a:t>MCLK</a:t>
+            </a:r>
+            <a:endParaRPr lang="zh-CN" altLang="en-US" b="1" dirty="0">
+              <a:latin typeface="+mn-ea"/>
+              <a:ea typeface="+mn-ea"/>
+            </a:endParaRPr>
           </a:p>
         </p:txBody>
       </p:sp>
+      <p:pic>
+        <p:nvPicPr>
+          <p:cNvPr id="13" name="图片占位符 12"/>
+          <p:cNvPicPr>
+            <a:picLocks noGrp="1" noChangeAspect="1"/>
+          </p:cNvPicPr>
+          <p:nvPr>
+            <p:ph idx="1"/>
+          </p:nvPr>
+        </p:nvPicPr>
+        <p:blipFill>
+          <a:blip r:embed="rId2">
+            <a:extLst>
+              <a:ext uri="{28A0092B-C50C-407E-A947-70E740481C1C}">
+                <a14:useLocalDpi xmlns:a14="http://schemas.microsoft.com/office/drawing/2010/main" val="0"/>
+              </a:ext>
+            </a:extLst>
+          </a:blip>
+          <a:stretch>
+            <a:fillRect/>
+          </a:stretch>
+        </p:blipFill>
+        <p:spPr>
+          <a:xfrm>
+            <a:off x="5468547" y="1671393"/>
+            <a:ext cx="5601482" cy="3505689"/>
+          </a:xfrm>
+        </p:spPr>
+      </p:pic>
       <p:sp>
         <p:nvSpPr>
-          <p:cNvPr id="3" name="内容占位符 2"/>
+          <p:cNvPr id="14" name="文本占位符 13"/>
           <p:cNvSpPr>
             <a:spLocks noGrp="1"/>
           </p:cNvSpPr>
           <p:nvPr>
-            <p:ph idx="1"/>
+            <p:ph type="body" sz="half" idx="2"/>
           </p:nvPr>
         </p:nvSpPr>
         <p:spPr/>
@@ -12603,27 +12991,192 @@
           <a:bodyPr/>
           <a:lstStyle/>
           <a:p>
-            <a:endParaRPr lang="zh-CN" altLang="en-US"/>
+            <a:r>
+              <a:rPr lang="zh-CN" altLang="en-US" dirty="0" smtClean="0">
+                <a:latin typeface="+mn-ea"/>
+              </a:rPr>
+              <a:t>除了</a:t>
+            </a:r>
+            <a:r>
+              <a:rPr lang="en-US" altLang="zh-CN" dirty="0">
+                <a:latin typeface="+mn-ea"/>
+              </a:rPr>
+              <a:t>BCLK</a:t>
+            </a:r>
+            <a:r>
+              <a:rPr lang="zh-CN" altLang="en-US" dirty="0" smtClean="0">
+                <a:latin typeface="+mn-ea"/>
+              </a:rPr>
+              <a:t>和</a:t>
+            </a:r>
+            <a:r>
+              <a:rPr lang="en-US" altLang="zh-CN" dirty="0">
+                <a:latin typeface="+mn-ea"/>
+              </a:rPr>
+              <a:t>LRCLK</a:t>
+            </a:r>
+            <a:r>
+              <a:rPr lang="zh-CN" altLang="en-US" dirty="0" smtClean="0">
+                <a:latin typeface="+mn-ea"/>
+              </a:rPr>
+              <a:t>外</a:t>
+            </a:r>
+            <a:r>
+              <a:rPr lang="zh-CN" altLang="en-US" dirty="0">
+                <a:latin typeface="+mn-ea"/>
+              </a:rPr>
+              <a:t>，</a:t>
+            </a:r>
+            <a:r>
+              <a:rPr lang="en-US" altLang="zh-CN" dirty="0">
+                <a:latin typeface="+mn-ea"/>
+              </a:rPr>
+              <a:t>CODEC</a:t>
+            </a:r>
+            <a:r>
+              <a:rPr lang="zh-CN" altLang="en-US" dirty="0">
+                <a:latin typeface="+mn-ea"/>
+              </a:rPr>
+              <a:t>经常还需要控制器提供</a:t>
+            </a:r>
+            <a:r>
+              <a:rPr lang="en-US" altLang="zh-CN" b="1" i="1" dirty="0">
+                <a:latin typeface="+mn-ea"/>
+              </a:rPr>
+              <a:t>MCLK</a:t>
+            </a:r>
+            <a:r>
+              <a:rPr lang="en-US" altLang="zh-CN" dirty="0">
+                <a:latin typeface="+mn-ea"/>
+              </a:rPr>
+              <a:t> (Master Clock)</a:t>
+            </a:r>
+            <a:r>
+              <a:rPr lang="zh-CN" altLang="en-US" dirty="0">
+                <a:latin typeface="+mn-ea"/>
+              </a:rPr>
+              <a:t>，这是由</a:t>
+            </a:r>
+            <a:r>
+              <a:rPr lang="en-US" altLang="zh-CN" dirty="0">
+                <a:latin typeface="+mn-ea"/>
+              </a:rPr>
+              <a:t>CODEC</a:t>
+            </a:r>
+            <a:r>
+              <a:rPr lang="zh-CN" altLang="en-US" dirty="0">
+                <a:latin typeface="+mn-ea"/>
+              </a:rPr>
+              <a:t>内部基于</a:t>
+            </a:r>
+            <a:r>
+              <a:rPr lang="en-US" altLang="zh-CN" b="1" i="1" dirty="0">
+                <a:latin typeface="+mn-ea"/>
+              </a:rPr>
+              <a:t>Delta-Sigma</a:t>
+            </a:r>
+            <a:r>
+              <a:rPr lang="en-US" altLang="zh-CN" dirty="0">
+                <a:latin typeface="+mn-ea"/>
+              </a:rPr>
+              <a:t> (</a:t>
+            </a:r>
+            <a:r>
+              <a:rPr lang="el-GR" altLang="zh-CN" dirty="0">
+                <a:latin typeface="+mn-ea"/>
+              </a:rPr>
+              <a:t>ΔΣ)</a:t>
+            </a:r>
+            <a:r>
+              <a:rPr lang="zh-CN" altLang="en-US" dirty="0">
+                <a:latin typeface="+mn-ea"/>
+              </a:rPr>
+              <a:t>的架构</a:t>
+            </a:r>
+            <a:r>
+              <a:rPr lang="zh-CN" altLang="en-US" dirty="0" smtClean="0">
+                <a:latin typeface="+mn-ea"/>
+              </a:rPr>
+              <a:t>设计决定。</a:t>
+            </a:r>
+            <a:endParaRPr lang="zh-CN" altLang="en-US" dirty="0">
+              <a:latin typeface="+mn-ea"/>
+            </a:endParaRPr>
+          </a:p>
+        </p:txBody>
+      </p:sp>
+      <p:sp>
+        <p:nvSpPr>
+          <p:cNvPr id="8" name="文本框 7"/>
+          <p:cNvSpPr txBox="1"/>
+          <p:nvPr/>
+        </p:nvSpPr>
+        <p:spPr>
+          <a:xfrm>
+            <a:off x="6086902" y="5499656"/>
+            <a:ext cx="4160241" cy="369332"/>
+          </a:xfrm>
+          <a:prstGeom prst="rect">
+            <a:avLst/>
+          </a:prstGeom>
+          <a:noFill/>
+        </p:spPr>
+        <p:txBody>
+          <a:bodyPr wrap="none" rtlCol="0">
+            <a:spAutoFit/>
+          </a:bodyPr>
+          <a:lstStyle/>
+          <a:p>
+            <a:r>
+              <a:rPr lang="en-US" altLang="zh-CN" dirty="0" err="1" smtClean="0">
+                <a:hlinkClick r:id="rId3"/>
+              </a:rPr>
+              <a:t>Nuvoton</a:t>
+            </a:r>
+            <a:r>
+              <a:rPr lang="zh-CN" altLang="en-US" dirty="0" smtClean="0">
+                <a:hlinkClick r:id="rId3"/>
+              </a:rPr>
+              <a:t>的</a:t>
+            </a:r>
+            <a:r>
+              <a:rPr lang="en-US" altLang="zh-CN" dirty="0" smtClean="0">
+                <a:hlinkClick r:id="rId3"/>
+              </a:rPr>
+              <a:t>NAU8822L CODEC</a:t>
+            </a:r>
+            <a:r>
+              <a:rPr lang="zh-CN" altLang="en-US" dirty="0" smtClean="0">
+                <a:hlinkClick r:id="rId3"/>
+              </a:rPr>
+              <a:t>内部</a:t>
+            </a:r>
+            <a:r>
+              <a:rPr lang="en-US" altLang="zh-CN" dirty="0" smtClean="0">
+                <a:hlinkClick r:id="rId3"/>
+              </a:rPr>
+              <a:t>PLL</a:t>
+            </a:r>
+            <a:r>
+              <a:rPr lang="zh-CN" altLang="en-US" dirty="0" smtClean="0">
+                <a:hlinkClick r:id="rId3"/>
+              </a:rPr>
+              <a:t>框图</a:t>
+            </a:r>
+            <a:endParaRPr lang="zh-CN" altLang="en-US" dirty="0"/>
           </a:p>
         </p:txBody>
       </p:sp>
     </p:spTree>
     <p:extLst>
       <p:ext uri="{BB962C8B-B14F-4D97-AF65-F5344CB8AC3E}">
-        <p14:creationId xmlns:p14="http://schemas.microsoft.com/office/powerpoint/2010/main" val="3791325101"/>
+        <p14:creationId xmlns:p14="http://schemas.microsoft.com/office/powerpoint/2010/main" val="3391154052"/>
       </p:ext>
     </p:extLst>
   </p:cSld>
   <p:clrMapOvr>
     <a:masterClrMapping/>
   </p:clrMapOvr>
-  <p:timing>
-    <p:tnLst>
-      <p:par>
-        <p:cTn id="1" dur="indefinite" restart="never" nodeType="tmRoot"/>
-      </p:par>
-    </p:tnLst>
-  </p:timing>
 </p:sld>
 </file>
 
